--- a/Demo_Week2.pptx
+++ b/Demo_Week2.pptx
@@ -5,7 +5,7 @@
     <p:sldMasterId id="2147483648" r:id="rId1"/>
   </p:sldMasterIdLst>
   <p:notesMasterIdLst>
-    <p:notesMasterId r:id="rId12"/>
+    <p:notesMasterId r:id="rId15"/>
   </p:notesMasterIdLst>
   <p:sldIdLst>
     <p:sldId id="256" r:id="rId2"/>
@@ -13,11 +13,14 @@
     <p:sldId id="264" r:id="rId4"/>
     <p:sldId id="265" r:id="rId5"/>
     <p:sldId id="260" r:id="rId6"/>
-    <p:sldId id="261" r:id="rId7"/>
-    <p:sldId id="267" r:id="rId8"/>
-    <p:sldId id="262" r:id="rId9"/>
-    <p:sldId id="263" r:id="rId10"/>
-    <p:sldId id="266" r:id="rId11"/>
+    <p:sldId id="268" r:id="rId7"/>
+    <p:sldId id="261" r:id="rId8"/>
+    <p:sldId id="267" r:id="rId9"/>
+    <p:sldId id="269" r:id="rId10"/>
+    <p:sldId id="262" r:id="rId11"/>
+    <p:sldId id="270" r:id="rId12"/>
+    <p:sldId id="263" r:id="rId13"/>
+    <p:sldId id="266" r:id="rId14"/>
   </p:sldIdLst>
   <p:sldSz cx="12192000" cy="6858000"/>
   <p:notesSz cx="6858000" cy="9144000"/>
@@ -471,6 +474,90 @@
     </a:lvl9pPr>
   </p:notesStyle>
 </p:notesMaster>
+</file>
+
+<file path=ppt/notesSlides/notesSlide1.xml><?xml version="1.0" encoding="utf-8"?>
+<p:notes xmlns:a="http://schemas.openxmlformats.org/drawingml/2006/main" xmlns:r="http://schemas.openxmlformats.org/officeDocument/2006/relationships" xmlns:p="http://schemas.openxmlformats.org/presentationml/2006/main">
+  <p:cSld>
+    <p:spTree>
+      <p:nvGrpSpPr>
+        <p:cNvPr id="1" name=""/>
+        <p:cNvGrpSpPr/>
+        <p:nvPr/>
+      </p:nvGrpSpPr>
+      <p:grpSpPr>
+        <a:xfrm>
+          <a:off x="0" y="0"/>
+          <a:ext cx="0" cy="0"/>
+          <a:chOff x="0" y="0"/>
+          <a:chExt cx="0" cy="0"/>
+        </a:xfrm>
+      </p:grpSpPr>
+      <p:sp>
+        <p:nvSpPr>
+          <p:cNvPr id="2" name="Slide Image Placeholder 1"/>
+          <p:cNvSpPr>
+            <a:spLocks noGrp="1" noRot="1" noChangeAspect="1"/>
+          </p:cNvSpPr>
+          <p:nvPr>
+            <p:ph type="sldImg"/>
+          </p:nvPr>
+        </p:nvSpPr>
+        <p:spPr/>
+      </p:sp>
+      <p:sp>
+        <p:nvSpPr>
+          <p:cNvPr id="3" name="Notes Placeholder 2"/>
+          <p:cNvSpPr>
+            <a:spLocks noGrp="1"/>
+          </p:cNvSpPr>
+          <p:nvPr>
+            <p:ph type="body" idx="1"/>
+          </p:nvPr>
+        </p:nvSpPr>
+        <p:spPr/>
+        <p:txBody>
+          <a:bodyPr/>
+          <a:lstStyle/>
+          <a:p>
+            <a:endParaRPr lang="en-US" dirty="0"/>
+          </a:p>
+        </p:txBody>
+      </p:sp>
+      <p:sp>
+        <p:nvSpPr>
+          <p:cNvPr id="4" name="Slide Number Placeholder 3"/>
+          <p:cNvSpPr>
+            <a:spLocks noGrp="1"/>
+          </p:cNvSpPr>
+          <p:nvPr>
+            <p:ph type="sldNum" sz="quarter" idx="5"/>
+          </p:nvPr>
+        </p:nvSpPr>
+        <p:spPr/>
+        <p:txBody>
+          <a:bodyPr/>
+          <a:lstStyle/>
+          <a:p>
+            <a:fld id="{0A160A66-160F-0546-B1F0-8664D834284C}" type="slidenum">
+              <a:rPr lang="en-US" smtClean="0"/>
+              <a:t>2</a:t>
+            </a:fld>
+            <a:endParaRPr lang="en-US"/>
+          </a:p>
+        </p:txBody>
+      </p:sp>
+    </p:spTree>
+    <p:extLst>
+      <p:ext uri="{BB962C8B-B14F-4D97-AF65-F5344CB8AC3E}">
+        <p14:creationId xmlns:p14="http://schemas.microsoft.com/office/powerpoint/2010/main" val="555464364"/>
+      </p:ext>
+    </p:extLst>
+  </p:cSld>
+  <p:clrMapOvr>
+    <a:masterClrMapping/>
+  </p:clrMapOvr>
+</p:notes>
 </file>
 
 <file path=ppt/slideLayouts/slideLayout1.xml><?xml version="1.0" encoding="utf-8"?>
@@ -3782,6 +3869,1548 @@
           <p:cNvPr id="2" name="Title 1">
             <a:extLst>
               <a:ext uri="{FF2B5EF4-FFF2-40B4-BE49-F238E27FC236}">
+                <a16:creationId xmlns:a16="http://schemas.microsoft.com/office/drawing/2014/main" id="{9CF0515E-97D2-CB45-A84F-C8E39F1CCD86}"/>
+              </a:ext>
+            </a:extLst>
+          </p:cNvPr>
+          <p:cNvSpPr>
+            <a:spLocks noGrp="1"/>
+          </p:cNvSpPr>
+          <p:nvPr>
+            <p:ph type="title"/>
+          </p:nvPr>
+        </p:nvSpPr>
+        <p:spPr/>
+        <p:txBody>
+          <a:bodyPr/>
+          <a:lstStyle/>
+          <a:p>
+            <a:r>
+              <a:rPr lang="en-US" dirty="0"/>
+              <a:t>Exceptions</a:t>
+            </a:r>
+          </a:p>
+        </p:txBody>
+      </p:sp>
+      <p:pic>
+        <p:nvPicPr>
+          <p:cNvPr id="5" name="Content Placeholder 4">
+            <a:extLst>
+              <a:ext uri="{FF2B5EF4-FFF2-40B4-BE49-F238E27FC236}">
+                <a16:creationId xmlns:a16="http://schemas.microsoft.com/office/drawing/2014/main" id="{2783B21F-3BB2-C947-8A1F-F83C17B4DBCE}"/>
+              </a:ext>
+            </a:extLst>
+          </p:cNvPr>
+          <p:cNvPicPr>
+            <a:picLocks noGrp="1" noChangeAspect="1"/>
+          </p:cNvPicPr>
+          <p:nvPr>
+            <p:ph idx="1"/>
+          </p:nvPr>
+        </p:nvPicPr>
+        <p:blipFill>
+          <a:blip r:embed="rId2"/>
+          <a:stretch>
+            <a:fillRect/>
+          </a:stretch>
+        </p:blipFill>
+        <p:spPr>
+          <a:xfrm>
+            <a:off x="838200" y="1529000"/>
+            <a:ext cx="7594600" cy="1714500"/>
+          </a:xfrm>
+        </p:spPr>
+      </p:pic>
+      <p:cxnSp>
+        <p:nvCxnSpPr>
+          <p:cNvPr id="9" name="Straight Arrow Connector 8">
+            <a:extLst>
+              <a:ext uri="{FF2B5EF4-FFF2-40B4-BE49-F238E27FC236}">
+                <a16:creationId xmlns:a16="http://schemas.microsoft.com/office/drawing/2014/main" id="{65F1F70F-E5C0-F841-8F05-D2CC2912E7BC}"/>
+              </a:ext>
+            </a:extLst>
+          </p:cNvPr>
+          <p:cNvCxnSpPr/>
+          <p:nvPr/>
+        </p:nvCxnSpPr>
+        <p:spPr>
+          <a:xfrm flipH="1">
+            <a:off x="8550234" y="2386250"/>
+            <a:ext cx="1686296" cy="0"/>
+          </a:xfrm>
+          <a:prstGeom prst="straightConnector1">
+            <a:avLst/>
+          </a:prstGeom>
+          <a:ln w="82550">
+            <a:tailEnd type="triangle"/>
+          </a:ln>
+        </p:spPr>
+        <p:style>
+          <a:lnRef idx="1">
+            <a:schemeClr val="accent1"/>
+          </a:lnRef>
+          <a:fillRef idx="0">
+            <a:schemeClr val="accent1"/>
+          </a:fillRef>
+          <a:effectRef idx="0">
+            <a:schemeClr val="accent1"/>
+          </a:effectRef>
+          <a:fontRef idx="minor">
+            <a:schemeClr val="tx1"/>
+          </a:fontRef>
+        </p:style>
+      </p:cxnSp>
+      <p:pic>
+        <p:nvPicPr>
+          <p:cNvPr id="11" name="Picture 10">
+            <a:extLst>
+              <a:ext uri="{FF2B5EF4-FFF2-40B4-BE49-F238E27FC236}">
+                <a16:creationId xmlns:a16="http://schemas.microsoft.com/office/drawing/2014/main" id="{07A5A4A9-D1B4-AD45-AB5D-69A4BCF9E55E}"/>
+              </a:ext>
+            </a:extLst>
+          </p:cNvPr>
+          <p:cNvPicPr>
+            <a:picLocks noChangeAspect="1"/>
+          </p:cNvPicPr>
+          <p:nvPr/>
+        </p:nvPicPr>
+        <p:blipFill>
+          <a:blip r:embed="rId3"/>
+          <a:stretch>
+            <a:fillRect/>
+          </a:stretch>
+        </p:blipFill>
+        <p:spPr>
+          <a:xfrm>
+            <a:off x="838200" y="4407375"/>
+            <a:ext cx="8839200" cy="1727200"/>
+          </a:xfrm>
+          <a:prstGeom prst="rect">
+            <a:avLst/>
+          </a:prstGeom>
+        </p:spPr>
+      </p:pic>
+      <p:cxnSp>
+        <p:nvCxnSpPr>
+          <p:cNvPr id="12" name="Straight Arrow Connector 11">
+            <a:extLst>
+              <a:ext uri="{FF2B5EF4-FFF2-40B4-BE49-F238E27FC236}">
+                <a16:creationId xmlns:a16="http://schemas.microsoft.com/office/drawing/2014/main" id="{F2C775D4-7AAF-D547-A11D-664706FDA64E}"/>
+              </a:ext>
+            </a:extLst>
+          </p:cNvPr>
+          <p:cNvCxnSpPr/>
+          <p:nvPr/>
+        </p:nvCxnSpPr>
+        <p:spPr>
+          <a:xfrm flipH="1">
+            <a:off x="9667504" y="5270975"/>
+            <a:ext cx="1686296" cy="0"/>
+          </a:xfrm>
+          <a:prstGeom prst="straightConnector1">
+            <a:avLst/>
+          </a:prstGeom>
+          <a:ln w="82550">
+            <a:tailEnd type="triangle"/>
+          </a:ln>
+        </p:spPr>
+        <p:style>
+          <a:lnRef idx="1">
+            <a:schemeClr val="accent1"/>
+          </a:lnRef>
+          <a:fillRef idx="0">
+            <a:schemeClr val="accent1"/>
+          </a:fillRef>
+          <a:effectRef idx="0">
+            <a:schemeClr val="accent1"/>
+          </a:effectRef>
+          <a:fontRef idx="minor">
+            <a:schemeClr val="tx1"/>
+          </a:fontRef>
+        </p:style>
+      </p:cxnSp>
+      <p:sp>
+        <p:nvSpPr>
+          <p:cNvPr id="13" name="TextBox 12">
+            <a:extLst>
+              <a:ext uri="{FF2B5EF4-FFF2-40B4-BE49-F238E27FC236}">
+                <a16:creationId xmlns:a16="http://schemas.microsoft.com/office/drawing/2014/main" id="{336AA1CC-9DE7-9D4C-B998-EEB5BAAA9FA5}"/>
+              </a:ext>
+            </a:extLst>
+          </p:cNvPr>
+          <p:cNvSpPr txBox="1"/>
+          <p:nvPr/>
+        </p:nvSpPr>
+        <p:spPr>
+          <a:xfrm>
+            <a:off x="10236530" y="1971304"/>
+            <a:ext cx="1805049" cy="646331"/>
+          </a:xfrm>
+          <a:prstGeom prst="rect">
+            <a:avLst/>
+          </a:prstGeom>
+          <a:noFill/>
+        </p:spPr>
+        <p:txBody>
+          <a:bodyPr wrap="square" rtlCol="0">
+            <a:spAutoFit/>
+          </a:bodyPr>
+          <a:lstStyle/>
+          <a:p>
+            <a:r>
+              <a:rPr lang="en-US" dirty="0"/>
+              <a:t>Define this Exception</a:t>
+            </a:r>
+          </a:p>
+        </p:txBody>
+      </p:sp>
+      <p:sp>
+        <p:nvSpPr>
+          <p:cNvPr id="14" name="TextBox 13">
+            <a:extLst>
+              <a:ext uri="{FF2B5EF4-FFF2-40B4-BE49-F238E27FC236}">
+                <a16:creationId xmlns:a16="http://schemas.microsoft.com/office/drawing/2014/main" id="{9EF9F842-F88F-9C41-8B74-B3D486119761}"/>
+              </a:ext>
+            </a:extLst>
+          </p:cNvPr>
+          <p:cNvSpPr txBox="1"/>
+          <p:nvPr/>
+        </p:nvSpPr>
+        <p:spPr>
+          <a:xfrm>
+            <a:off x="10331532" y="4120738"/>
+            <a:ext cx="1543793" cy="923330"/>
+          </a:xfrm>
+          <a:prstGeom prst="rect">
+            <a:avLst/>
+          </a:prstGeom>
+          <a:noFill/>
+        </p:spPr>
+        <p:txBody>
+          <a:bodyPr wrap="square" rtlCol="0">
+            <a:spAutoFit/>
+          </a:bodyPr>
+          <a:lstStyle/>
+          <a:p>
+            <a:r>
+              <a:rPr lang="en-US" dirty="0"/>
+              <a:t>Define the exception manager</a:t>
+            </a:r>
+          </a:p>
+        </p:txBody>
+      </p:sp>
+      <p:pic>
+        <p:nvPicPr>
+          <p:cNvPr id="4" name="Picture 3">
+            <a:extLst>
+              <a:ext uri="{FF2B5EF4-FFF2-40B4-BE49-F238E27FC236}">
+                <a16:creationId xmlns:a16="http://schemas.microsoft.com/office/drawing/2014/main" id="{8FB62CF3-A566-894C-AD58-AD0CE2F8CBA1}"/>
+              </a:ext>
+            </a:extLst>
+          </p:cNvPr>
+          <p:cNvPicPr>
+            <a:picLocks noChangeAspect="1"/>
+          </p:cNvPicPr>
+          <p:nvPr/>
+        </p:nvPicPr>
+        <p:blipFill>
+          <a:blip r:embed="rId4"/>
+          <a:stretch>
+            <a:fillRect/>
+          </a:stretch>
+        </p:blipFill>
+        <p:spPr>
+          <a:xfrm>
+            <a:off x="1559049" y="3323787"/>
+            <a:ext cx="3492500" cy="1003300"/>
+          </a:xfrm>
+          <a:prstGeom prst="rect">
+            <a:avLst/>
+          </a:prstGeom>
+        </p:spPr>
+      </p:pic>
+      <p:cxnSp>
+        <p:nvCxnSpPr>
+          <p:cNvPr id="18" name="Elbow Connector 17">
+            <a:extLst>
+              <a:ext uri="{FF2B5EF4-FFF2-40B4-BE49-F238E27FC236}">
+                <a16:creationId xmlns:a16="http://schemas.microsoft.com/office/drawing/2014/main" id="{F6625AA4-9E71-FC4D-83F1-AA9EC8F244F6}"/>
+              </a:ext>
+            </a:extLst>
+          </p:cNvPr>
+          <p:cNvCxnSpPr>
+            <a:cxnSpLocks/>
+          </p:cNvCxnSpPr>
+          <p:nvPr/>
+        </p:nvCxnSpPr>
+        <p:spPr>
+          <a:xfrm>
+            <a:off x="1021278" y="3243500"/>
+            <a:ext cx="997527" cy="685112"/>
+          </a:xfrm>
+          <a:prstGeom prst="bentConnector3">
+            <a:avLst>
+              <a:gd name="adj1" fmla="val -1190"/>
+            </a:avLst>
+          </a:prstGeom>
+          <a:ln w="63500">
+            <a:tailEnd type="triangle"/>
+          </a:ln>
+        </p:spPr>
+        <p:style>
+          <a:lnRef idx="1">
+            <a:schemeClr val="accent1"/>
+          </a:lnRef>
+          <a:fillRef idx="0">
+            <a:schemeClr val="accent1"/>
+          </a:fillRef>
+          <a:effectRef idx="0">
+            <a:schemeClr val="accent1"/>
+          </a:effectRef>
+          <a:fontRef idx="minor">
+            <a:schemeClr val="tx1"/>
+          </a:fontRef>
+        </p:style>
+      </p:cxnSp>
+      <p:cxnSp>
+        <p:nvCxnSpPr>
+          <p:cNvPr id="29" name="Elbow Connector 28">
+            <a:extLst>
+              <a:ext uri="{FF2B5EF4-FFF2-40B4-BE49-F238E27FC236}">
+                <a16:creationId xmlns:a16="http://schemas.microsoft.com/office/drawing/2014/main" id="{1AEEA86E-1A97-6E43-B40F-0C19CFF47F52}"/>
+              </a:ext>
+            </a:extLst>
+          </p:cNvPr>
+          <p:cNvCxnSpPr/>
+          <p:nvPr/>
+        </p:nvCxnSpPr>
+        <p:spPr>
+          <a:xfrm flipV="1">
+            <a:off x="1021278" y="4120738"/>
+            <a:ext cx="997527" cy="286637"/>
+          </a:xfrm>
+          <a:prstGeom prst="bentConnector3">
+            <a:avLst>
+              <a:gd name="adj1" fmla="val -2381"/>
+            </a:avLst>
+          </a:prstGeom>
+          <a:ln w="63500">
+            <a:tailEnd type="triangle"/>
+          </a:ln>
+        </p:spPr>
+        <p:style>
+          <a:lnRef idx="1">
+            <a:schemeClr val="accent1"/>
+          </a:lnRef>
+          <a:fillRef idx="0">
+            <a:schemeClr val="accent1"/>
+          </a:fillRef>
+          <a:effectRef idx="0">
+            <a:schemeClr val="accent1"/>
+          </a:effectRef>
+          <a:fontRef idx="minor">
+            <a:schemeClr val="tx1"/>
+          </a:fontRef>
+        </p:style>
+      </p:cxnSp>
+      <p:cxnSp>
+        <p:nvCxnSpPr>
+          <p:cNvPr id="32" name="Straight Arrow Connector 31">
+            <a:extLst>
+              <a:ext uri="{FF2B5EF4-FFF2-40B4-BE49-F238E27FC236}">
+                <a16:creationId xmlns:a16="http://schemas.microsoft.com/office/drawing/2014/main" id="{27DB3488-554D-F142-9A31-6FF195FE871E}"/>
+              </a:ext>
+            </a:extLst>
+          </p:cNvPr>
+          <p:cNvCxnSpPr>
+            <a:cxnSpLocks/>
+          </p:cNvCxnSpPr>
+          <p:nvPr/>
+        </p:nvCxnSpPr>
+        <p:spPr>
+          <a:xfrm flipH="1" flipV="1">
+            <a:off x="5094514" y="3711812"/>
+            <a:ext cx="1001486" cy="10451"/>
+          </a:xfrm>
+          <a:prstGeom prst="straightConnector1">
+            <a:avLst/>
+          </a:prstGeom>
+          <a:ln w="63500">
+            <a:tailEnd type="triangle"/>
+          </a:ln>
+        </p:spPr>
+        <p:style>
+          <a:lnRef idx="1">
+            <a:schemeClr val="accent1"/>
+          </a:lnRef>
+          <a:fillRef idx="0">
+            <a:schemeClr val="accent1"/>
+          </a:fillRef>
+          <a:effectRef idx="0">
+            <a:schemeClr val="accent1"/>
+          </a:effectRef>
+          <a:fontRef idx="minor">
+            <a:schemeClr val="tx1"/>
+          </a:fontRef>
+        </p:style>
+      </p:cxnSp>
+      <p:sp>
+        <p:nvSpPr>
+          <p:cNvPr id="34" name="TextBox 33">
+            <a:extLst>
+              <a:ext uri="{FF2B5EF4-FFF2-40B4-BE49-F238E27FC236}">
+                <a16:creationId xmlns:a16="http://schemas.microsoft.com/office/drawing/2014/main" id="{9E983750-7781-2148-82B9-9F0A59E825B7}"/>
+              </a:ext>
+            </a:extLst>
+          </p:cNvPr>
+          <p:cNvSpPr txBox="1"/>
+          <p:nvPr/>
+        </p:nvSpPr>
+        <p:spPr>
+          <a:xfrm>
+            <a:off x="6096000" y="3431969"/>
+            <a:ext cx="3048000" cy="646331"/>
+          </a:xfrm>
+          <a:prstGeom prst="rect">
+            <a:avLst/>
+          </a:prstGeom>
+          <a:noFill/>
+        </p:spPr>
+        <p:txBody>
+          <a:bodyPr wrap="square" rtlCol="0">
+            <a:spAutoFit/>
+          </a:bodyPr>
+          <a:lstStyle/>
+          <a:p>
+            <a:r>
+              <a:rPr lang="en-US" dirty="0"/>
+              <a:t>Mapper for exceptions thrown from Bean validation</a:t>
+            </a:r>
+          </a:p>
+        </p:txBody>
+      </p:sp>
+    </p:spTree>
+    <p:extLst>
+      <p:ext uri="{BB962C8B-B14F-4D97-AF65-F5344CB8AC3E}">
+        <p14:creationId xmlns:p14="http://schemas.microsoft.com/office/powerpoint/2010/main" val="2085870135"/>
+      </p:ext>
+    </p:extLst>
+  </p:cSld>
+  <p:clrMapOvr>
+    <a:masterClrMapping/>
+  </p:clrMapOvr>
+  <p:timing>
+    <p:tnLst>
+      <p:par>
+        <p:cTn id="1" dur="indefinite" restart="never" nodeType="tmRoot">
+          <p:childTnLst>
+            <p:seq concurrent="1" nextAc="seek">
+              <p:cTn id="2" dur="indefinite" nodeType="mainSeq">
+                <p:childTnLst>
+                  <p:par>
+                    <p:cTn id="3" fill="hold">
+                      <p:stCondLst>
+                        <p:cond delay="indefinite"/>
+                      </p:stCondLst>
+                      <p:childTnLst>
+                        <p:par>
+                          <p:cTn id="4" fill="hold">
+                            <p:stCondLst>
+                              <p:cond delay="0"/>
+                            </p:stCondLst>
+                            <p:childTnLst>
+                              <p:par>
+                                <p:cTn id="5" presetID="1" presetClass="entr" presetSubtype="0" fill="hold" nodeType="clickEffect">
+                                  <p:stCondLst>
+                                    <p:cond delay="0"/>
+                                  </p:stCondLst>
+                                  <p:childTnLst>
+                                    <p:set>
+                                      <p:cBhvr>
+                                        <p:cTn id="6" dur="1" fill="hold">
+                                          <p:stCondLst>
+                                            <p:cond delay="0"/>
+                                          </p:stCondLst>
+                                        </p:cTn>
+                                        <p:tgtEl>
+                                          <p:spTgt spid="18"/>
+                                        </p:tgtEl>
+                                        <p:attrNameLst>
+                                          <p:attrName>style.visibility</p:attrName>
+                                        </p:attrNameLst>
+                                      </p:cBhvr>
+                                      <p:to>
+                                        <p:strVal val="visible"/>
+                                      </p:to>
+                                    </p:set>
+                                  </p:childTnLst>
+                                </p:cTn>
+                              </p:par>
+                              <p:par>
+                                <p:cTn id="7" presetID="1" presetClass="entr" presetSubtype="0" fill="hold" nodeType="withEffect">
+                                  <p:stCondLst>
+                                    <p:cond delay="0"/>
+                                  </p:stCondLst>
+                                  <p:childTnLst>
+                                    <p:set>
+                                      <p:cBhvr>
+                                        <p:cTn id="8" dur="1" fill="hold">
+                                          <p:stCondLst>
+                                            <p:cond delay="0"/>
+                                          </p:stCondLst>
+                                        </p:cTn>
+                                        <p:tgtEl>
+                                          <p:spTgt spid="5"/>
+                                        </p:tgtEl>
+                                        <p:attrNameLst>
+                                          <p:attrName>style.visibility</p:attrName>
+                                        </p:attrNameLst>
+                                      </p:cBhvr>
+                                      <p:to>
+                                        <p:strVal val="visible"/>
+                                      </p:to>
+                                    </p:set>
+                                  </p:childTnLst>
+                                </p:cTn>
+                              </p:par>
+                              <p:par>
+                                <p:cTn id="9" presetID="1" presetClass="entr" presetSubtype="0" fill="hold" nodeType="withEffect">
+                                  <p:stCondLst>
+                                    <p:cond delay="0"/>
+                                  </p:stCondLst>
+                                  <p:childTnLst>
+                                    <p:set>
+                                      <p:cBhvr>
+                                        <p:cTn id="10" dur="1" fill="hold">
+                                          <p:stCondLst>
+                                            <p:cond delay="0"/>
+                                          </p:stCondLst>
+                                        </p:cTn>
+                                        <p:tgtEl>
+                                          <p:spTgt spid="9"/>
+                                        </p:tgtEl>
+                                        <p:attrNameLst>
+                                          <p:attrName>style.visibility</p:attrName>
+                                        </p:attrNameLst>
+                                      </p:cBhvr>
+                                      <p:to>
+                                        <p:strVal val="visible"/>
+                                      </p:to>
+                                    </p:set>
+                                  </p:childTnLst>
+                                </p:cTn>
+                              </p:par>
+                              <p:par>
+                                <p:cTn id="11" presetID="1" presetClass="entr" presetSubtype="0" fill="hold" grpId="0" nodeType="withEffect">
+                                  <p:stCondLst>
+                                    <p:cond delay="0"/>
+                                  </p:stCondLst>
+                                  <p:childTnLst>
+                                    <p:set>
+                                      <p:cBhvr>
+                                        <p:cTn id="12" dur="1" fill="hold">
+                                          <p:stCondLst>
+                                            <p:cond delay="0"/>
+                                          </p:stCondLst>
+                                        </p:cTn>
+                                        <p:tgtEl>
+                                          <p:spTgt spid="13"/>
+                                        </p:tgtEl>
+                                        <p:attrNameLst>
+                                          <p:attrName>style.visibility</p:attrName>
+                                        </p:attrNameLst>
+                                      </p:cBhvr>
+                                      <p:to>
+                                        <p:strVal val="visible"/>
+                                      </p:to>
+                                    </p:set>
+                                  </p:childTnLst>
+                                </p:cTn>
+                              </p:par>
+                            </p:childTnLst>
+                          </p:cTn>
+                        </p:par>
+                      </p:childTnLst>
+                    </p:cTn>
+                  </p:par>
+                  <p:par>
+                    <p:cTn id="13" fill="hold">
+                      <p:stCondLst>
+                        <p:cond delay="indefinite"/>
+                      </p:stCondLst>
+                      <p:childTnLst>
+                        <p:par>
+                          <p:cTn id="14" fill="hold">
+                            <p:stCondLst>
+                              <p:cond delay="0"/>
+                            </p:stCondLst>
+                            <p:childTnLst>
+                              <p:par>
+                                <p:cTn id="15" presetID="1" presetClass="entr" presetSubtype="0" fill="hold" nodeType="clickEffect">
+                                  <p:stCondLst>
+                                    <p:cond delay="0"/>
+                                  </p:stCondLst>
+                                  <p:childTnLst>
+                                    <p:set>
+                                      <p:cBhvr>
+                                        <p:cTn id="16" dur="1" fill="hold">
+                                          <p:stCondLst>
+                                            <p:cond delay="0"/>
+                                          </p:stCondLst>
+                                        </p:cTn>
+                                        <p:tgtEl>
+                                          <p:spTgt spid="29"/>
+                                        </p:tgtEl>
+                                        <p:attrNameLst>
+                                          <p:attrName>style.visibility</p:attrName>
+                                        </p:attrNameLst>
+                                      </p:cBhvr>
+                                      <p:to>
+                                        <p:strVal val="visible"/>
+                                      </p:to>
+                                    </p:set>
+                                  </p:childTnLst>
+                                </p:cTn>
+                              </p:par>
+                              <p:par>
+                                <p:cTn id="17" presetID="1" presetClass="entr" presetSubtype="0" fill="hold" nodeType="withEffect">
+                                  <p:stCondLst>
+                                    <p:cond delay="0"/>
+                                  </p:stCondLst>
+                                  <p:childTnLst>
+                                    <p:set>
+                                      <p:cBhvr>
+                                        <p:cTn id="18" dur="1" fill="hold">
+                                          <p:stCondLst>
+                                            <p:cond delay="0"/>
+                                          </p:stCondLst>
+                                        </p:cTn>
+                                        <p:tgtEl>
+                                          <p:spTgt spid="11"/>
+                                        </p:tgtEl>
+                                        <p:attrNameLst>
+                                          <p:attrName>style.visibility</p:attrName>
+                                        </p:attrNameLst>
+                                      </p:cBhvr>
+                                      <p:to>
+                                        <p:strVal val="visible"/>
+                                      </p:to>
+                                    </p:set>
+                                  </p:childTnLst>
+                                </p:cTn>
+                              </p:par>
+                              <p:par>
+                                <p:cTn id="19" presetID="1" presetClass="entr" presetSubtype="0" fill="hold" nodeType="withEffect">
+                                  <p:stCondLst>
+                                    <p:cond delay="0"/>
+                                  </p:stCondLst>
+                                  <p:childTnLst>
+                                    <p:set>
+                                      <p:cBhvr>
+                                        <p:cTn id="20" dur="1" fill="hold">
+                                          <p:stCondLst>
+                                            <p:cond delay="0"/>
+                                          </p:stCondLst>
+                                        </p:cTn>
+                                        <p:tgtEl>
+                                          <p:spTgt spid="12"/>
+                                        </p:tgtEl>
+                                        <p:attrNameLst>
+                                          <p:attrName>style.visibility</p:attrName>
+                                        </p:attrNameLst>
+                                      </p:cBhvr>
+                                      <p:to>
+                                        <p:strVal val="visible"/>
+                                      </p:to>
+                                    </p:set>
+                                  </p:childTnLst>
+                                </p:cTn>
+                              </p:par>
+                              <p:par>
+                                <p:cTn id="21" presetID="1" presetClass="entr" presetSubtype="0" fill="hold" grpId="0" nodeType="withEffect">
+                                  <p:stCondLst>
+                                    <p:cond delay="0"/>
+                                  </p:stCondLst>
+                                  <p:childTnLst>
+                                    <p:set>
+                                      <p:cBhvr>
+                                        <p:cTn id="22" dur="1" fill="hold">
+                                          <p:stCondLst>
+                                            <p:cond delay="0"/>
+                                          </p:stCondLst>
+                                        </p:cTn>
+                                        <p:tgtEl>
+                                          <p:spTgt spid="14"/>
+                                        </p:tgtEl>
+                                        <p:attrNameLst>
+                                          <p:attrName>style.visibility</p:attrName>
+                                        </p:attrNameLst>
+                                      </p:cBhvr>
+                                      <p:to>
+                                        <p:strVal val="visible"/>
+                                      </p:to>
+                                    </p:set>
+                                  </p:childTnLst>
+                                </p:cTn>
+                              </p:par>
+                            </p:childTnLst>
+                          </p:cTn>
+                        </p:par>
+                      </p:childTnLst>
+                    </p:cTn>
+                  </p:par>
+                  <p:par>
+                    <p:cTn id="23" fill="hold">
+                      <p:stCondLst>
+                        <p:cond delay="indefinite"/>
+                      </p:stCondLst>
+                      <p:childTnLst>
+                        <p:par>
+                          <p:cTn id="24" fill="hold">
+                            <p:stCondLst>
+                              <p:cond delay="0"/>
+                            </p:stCondLst>
+                            <p:childTnLst>
+                              <p:par>
+                                <p:cTn id="25" presetID="1" presetClass="entr" presetSubtype="0" fill="hold" nodeType="clickEffect">
+                                  <p:stCondLst>
+                                    <p:cond delay="0"/>
+                                  </p:stCondLst>
+                                  <p:childTnLst>
+                                    <p:set>
+                                      <p:cBhvr>
+                                        <p:cTn id="26" dur="1" fill="hold">
+                                          <p:stCondLst>
+                                            <p:cond delay="0"/>
+                                          </p:stCondLst>
+                                        </p:cTn>
+                                        <p:tgtEl>
+                                          <p:spTgt spid="32"/>
+                                        </p:tgtEl>
+                                        <p:attrNameLst>
+                                          <p:attrName>style.visibility</p:attrName>
+                                        </p:attrNameLst>
+                                      </p:cBhvr>
+                                      <p:to>
+                                        <p:strVal val="visible"/>
+                                      </p:to>
+                                    </p:set>
+                                  </p:childTnLst>
+                                </p:cTn>
+                              </p:par>
+                              <p:par>
+                                <p:cTn id="27" presetID="1" presetClass="entr" presetSubtype="0" fill="hold" grpId="0" nodeType="withEffect">
+                                  <p:stCondLst>
+                                    <p:cond delay="0"/>
+                                  </p:stCondLst>
+                                  <p:childTnLst>
+                                    <p:set>
+                                      <p:cBhvr>
+                                        <p:cTn id="28" dur="1" fill="hold">
+                                          <p:stCondLst>
+                                            <p:cond delay="0"/>
+                                          </p:stCondLst>
+                                        </p:cTn>
+                                        <p:tgtEl>
+                                          <p:spTgt spid="34"/>
+                                        </p:tgtEl>
+                                        <p:attrNameLst>
+                                          <p:attrName>style.visibility</p:attrName>
+                                        </p:attrNameLst>
+                                      </p:cBhvr>
+                                      <p:to>
+                                        <p:strVal val="visible"/>
+                                      </p:to>
+                                    </p:set>
+                                  </p:childTnLst>
+                                </p:cTn>
+                              </p:par>
+                            </p:childTnLst>
+                          </p:cTn>
+                        </p:par>
+                      </p:childTnLst>
+                    </p:cTn>
+                  </p:par>
+                </p:childTnLst>
+              </p:cTn>
+              <p:prevCondLst>
+                <p:cond evt="onPrev" delay="0">
+                  <p:tgtEl>
+                    <p:sldTgt/>
+                  </p:tgtEl>
+                </p:cond>
+              </p:prevCondLst>
+              <p:nextCondLst>
+                <p:cond evt="onNext" delay="0">
+                  <p:tgtEl>
+                    <p:sldTgt/>
+                  </p:tgtEl>
+                </p:cond>
+              </p:nextCondLst>
+            </p:seq>
+          </p:childTnLst>
+        </p:cTn>
+      </p:par>
+    </p:tnLst>
+    <p:bldLst>
+      <p:bldP spid="13" grpId="0"/>
+      <p:bldP spid="14" grpId="0"/>
+      <p:bldP spid="34" grpId="0"/>
+    </p:bldLst>
+  </p:timing>
+</p:sld>
+</file>
+
+<file path=ppt/slides/slide11.xml><?xml version="1.0" encoding="utf-8"?>
+<p:sld xmlns:a="http://schemas.openxmlformats.org/drawingml/2006/main" xmlns:r="http://schemas.openxmlformats.org/officeDocument/2006/relationships" xmlns:p="http://schemas.openxmlformats.org/presentationml/2006/main">
+  <p:cSld>
+    <p:spTree>
+      <p:nvGrpSpPr>
+        <p:cNvPr id="1" name=""/>
+        <p:cNvGrpSpPr/>
+        <p:nvPr/>
+      </p:nvGrpSpPr>
+      <p:grpSpPr>
+        <a:xfrm>
+          <a:off x="0" y="0"/>
+          <a:ext cx="0" cy="0"/>
+          <a:chOff x="0" y="0"/>
+          <a:chExt cx="0" cy="0"/>
+        </a:xfrm>
+      </p:grpSpPr>
+      <p:sp>
+        <p:nvSpPr>
+          <p:cNvPr id="2" name="Title 1">
+            <a:extLst>
+              <a:ext uri="{FF2B5EF4-FFF2-40B4-BE49-F238E27FC236}">
+                <a16:creationId xmlns:a16="http://schemas.microsoft.com/office/drawing/2014/main" id="{D0369E72-EE6D-114E-9CA8-6A85A8E45A25}"/>
+              </a:ext>
+            </a:extLst>
+          </p:cNvPr>
+          <p:cNvSpPr>
+            <a:spLocks noGrp="1"/>
+          </p:cNvSpPr>
+          <p:nvPr>
+            <p:ph type="title"/>
+          </p:nvPr>
+        </p:nvSpPr>
+        <p:spPr/>
+        <p:txBody>
+          <a:bodyPr/>
+          <a:lstStyle/>
+          <a:p>
+            <a:r>
+              <a:rPr lang="en-US" dirty="0"/>
+              <a:t>JSON entity &amp; Bean Validation</a:t>
+            </a:r>
+          </a:p>
+        </p:txBody>
+      </p:sp>
+      <p:sp>
+        <p:nvSpPr>
+          <p:cNvPr id="3" name="Content Placeholder 2">
+            <a:extLst>
+              <a:ext uri="{FF2B5EF4-FFF2-40B4-BE49-F238E27FC236}">
+                <a16:creationId xmlns:a16="http://schemas.microsoft.com/office/drawing/2014/main" id="{F51F11F4-CEB4-6B4C-86B8-84C302FDD61E}"/>
+              </a:ext>
+            </a:extLst>
+          </p:cNvPr>
+          <p:cNvSpPr>
+            <a:spLocks noGrp="1"/>
+          </p:cNvSpPr>
+          <p:nvPr>
+            <p:ph idx="1"/>
+          </p:nvPr>
+        </p:nvSpPr>
+        <p:spPr/>
+        <p:txBody>
+          <a:bodyPr/>
+          <a:lstStyle/>
+          <a:p>
+            <a:endParaRPr lang="en-US" dirty="0"/>
+          </a:p>
+        </p:txBody>
+      </p:sp>
+      <p:pic>
+        <p:nvPicPr>
+          <p:cNvPr id="4" name="Content Placeholder 6">
+            <a:extLst>
+              <a:ext uri="{FF2B5EF4-FFF2-40B4-BE49-F238E27FC236}">
+                <a16:creationId xmlns:a16="http://schemas.microsoft.com/office/drawing/2014/main" id="{EA4BADCE-3398-AF4D-BAFD-A2AD5573CB3E}"/>
+              </a:ext>
+            </a:extLst>
+          </p:cNvPr>
+          <p:cNvPicPr>
+            <a:picLocks noChangeAspect="1"/>
+          </p:cNvPicPr>
+          <p:nvPr/>
+        </p:nvPicPr>
+        <p:blipFill>
+          <a:blip r:embed="rId2"/>
+          <a:stretch>
+            <a:fillRect/>
+          </a:stretch>
+        </p:blipFill>
+        <p:spPr>
+          <a:xfrm>
+            <a:off x="2011878" y="2042530"/>
+            <a:ext cx="4569134" cy="3917528"/>
+          </a:xfrm>
+          <a:prstGeom prst="rect">
+            <a:avLst/>
+          </a:prstGeom>
+        </p:spPr>
+      </p:pic>
+      <p:cxnSp>
+        <p:nvCxnSpPr>
+          <p:cNvPr id="5" name="Straight Arrow Connector 4">
+            <a:extLst>
+              <a:ext uri="{FF2B5EF4-FFF2-40B4-BE49-F238E27FC236}">
+                <a16:creationId xmlns:a16="http://schemas.microsoft.com/office/drawing/2014/main" id="{174A0671-8AC2-1C48-9C2A-0F3188F67B25}"/>
+              </a:ext>
+            </a:extLst>
+          </p:cNvPr>
+          <p:cNvCxnSpPr>
+            <a:cxnSpLocks/>
+          </p:cNvCxnSpPr>
+          <p:nvPr/>
+        </p:nvCxnSpPr>
+        <p:spPr>
+          <a:xfrm flipH="1">
+            <a:off x="5080354" y="3590902"/>
+            <a:ext cx="2070912" cy="0"/>
+          </a:xfrm>
+          <a:prstGeom prst="straightConnector1">
+            <a:avLst/>
+          </a:prstGeom>
+          <a:ln w="82550">
+            <a:tailEnd type="triangle"/>
+          </a:ln>
+        </p:spPr>
+        <p:style>
+          <a:lnRef idx="1">
+            <a:schemeClr val="accent1"/>
+          </a:lnRef>
+          <a:fillRef idx="0">
+            <a:schemeClr val="accent1"/>
+          </a:fillRef>
+          <a:effectRef idx="0">
+            <a:schemeClr val="accent1"/>
+          </a:effectRef>
+          <a:fontRef idx="minor">
+            <a:schemeClr val="tx1"/>
+          </a:fontRef>
+        </p:style>
+      </p:cxnSp>
+      <p:sp>
+        <p:nvSpPr>
+          <p:cNvPr id="6" name="TextBox 5">
+            <a:extLst>
+              <a:ext uri="{FF2B5EF4-FFF2-40B4-BE49-F238E27FC236}">
+                <a16:creationId xmlns:a16="http://schemas.microsoft.com/office/drawing/2014/main" id="{D1147269-85CC-6C41-A080-433C39580496}"/>
+              </a:ext>
+            </a:extLst>
+          </p:cNvPr>
+          <p:cNvSpPr txBox="1"/>
+          <p:nvPr/>
+        </p:nvSpPr>
+        <p:spPr>
+          <a:xfrm>
+            <a:off x="7270019" y="3267736"/>
+            <a:ext cx="2469078" cy="646331"/>
+          </a:xfrm>
+          <a:prstGeom prst="rect">
+            <a:avLst/>
+          </a:prstGeom>
+          <a:noFill/>
+        </p:spPr>
+        <p:txBody>
+          <a:bodyPr wrap="square" rtlCol="0">
+            <a:spAutoFit/>
+          </a:bodyPr>
+          <a:lstStyle/>
+          <a:p>
+            <a:r>
+              <a:rPr lang="en-US" dirty="0"/>
+              <a:t>Hold JSON body in HTTP request</a:t>
+            </a:r>
+          </a:p>
+        </p:txBody>
+      </p:sp>
+    </p:spTree>
+    <p:extLst>
+      <p:ext uri="{BB962C8B-B14F-4D97-AF65-F5344CB8AC3E}">
+        <p14:creationId xmlns:p14="http://schemas.microsoft.com/office/powerpoint/2010/main" val="361524029"/>
+      </p:ext>
+    </p:extLst>
+  </p:cSld>
+  <p:clrMapOvr>
+    <a:masterClrMapping/>
+  </p:clrMapOvr>
+</p:sld>
+</file>
+
+<file path=ppt/slides/slide12.xml><?xml version="1.0" encoding="utf-8"?>
+<p:sld xmlns:a="http://schemas.openxmlformats.org/drawingml/2006/main" xmlns:r="http://schemas.openxmlformats.org/officeDocument/2006/relationships" xmlns:p="http://schemas.openxmlformats.org/presentationml/2006/main">
+  <p:cSld>
+    <p:spTree>
+      <p:nvGrpSpPr>
+        <p:cNvPr id="1" name=""/>
+        <p:cNvGrpSpPr/>
+        <p:nvPr/>
+      </p:nvGrpSpPr>
+      <p:grpSpPr>
+        <a:xfrm>
+          <a:off x="0" y="0"/>
+          <a:ext cx="0" cy="0"/>
+          <a:chOff x="0" y="0"/>
+          <a:chExt cx="0" cy="0"/>
+        </a:xfrm>
+      </p:grpSpPr>
+      <p:sp>
+        <p:nvSpPr>
+          <p:cNvPr id="2" name="Title 1">
+            <a:extLst>
+              <a:ext uri="{FF2B5EF4-FFF2-40B4-BE49-F238E27FC236}">
+                <a16:creationId xmlns:a16="http://schemas.microsoft.com/office/drawing/2014/main" id="{63B04E2A-F680-EF45-A58F-FAD11DEAA654}"/>
+              </a:ext>
+            </a:extLst>
+          </p:cNvPr>
+          <p:cNvSpPr>
+            <a:spLocks noGrp="1"/>
+          </p:cNvSpPr>
+          <p:nvPr>
+            <p:ph type="title"/>
+          </p:nvPr>
+        </p:nvSpPr>
+        <p:spPr/>
+        <p:txBody>
+          <a:bodyPr/>
+          <a:lstStyle/>
+          <a:p>
+            <a:r>
+              <a:rPr lang="en-US" dirty="0"/>
+              <a:t>JSON Entity &amp; Bean Validation </a:t>
+            </a:r>
+          </a:p>
+        </p:txBody>
+      </p:sp>
+      <p:pic>
+        <p:nvPicPr>
+          <p:cNvPr id="5" name="Content Placeholder 4">
+            <a:extLst>
+              <a:ext uri="{FF2B5EF4-FFF2-40B4-BE49-F238E27FC236}">
+                <a16:creationId xmlns:a16="http://schemas.microsoft.com/office/drawing/2014/main" id="{F21B13F0-6CBB-8C4B-84A6-80F7ECA82108}"/>
+              </a:ext>
+            </a:extLst>
+          </p:cNvPr>
+          <p:cNvPicPr>
+            <a:picLocks noGrp="1" noChangeAspect="1"/>
+          </p:cNvPicPr>
+          <p:nvPr>
+            <p:ph idx="1"/>
+          </p:nvPr>
+        </p:nvPicPr>
+        <p:blipFill>
+          <a:blip r:embed="rId2"/>
+          <a:stretch>
+            <a:fillRect/>
+          </a:stretch>
+        </p:blipFill>
+        <p:spPr>
+          <a:xfrm>
+            <a:off x="1021855" y="1690688"/>
+            <a:ext cx="6423973" cy="4721233"/>
+          </a:xfrm>
+        </p:spPr>
+      </p:pic>
+      <p:pic>
+        <p:nvPicPr>
+          <p:cNvPr id="7" name="Picture 6">
+            <a:extLst>
+              <a:ext uri="{FF2B5EF4-FFF2-40B4-BE49-F238E27FC236}">
+                <a16:creationId xmlns:a16="http://schemas.microsoft.com/office/drawing/2014/main" id="{5993D1CB-C7E9-0343-8AFE-8EC8017D36FC}"/>
+              </a:ext>
+            </a:extLst>
+          </p:cNvPr>
+          <p:cNvPicPr>
+            <a:picLocks noChangeAspect="1"/>
+          </p:cNvPicPr>
+          <p:nvPr/>
+        </p:nvPicPr>
+        <p:blipFill>
+          <a:blip r:embed="rId3"/>
+          <a:stretch>
+            <a:fillRect/>
+          </a:stretch>
+        </p:blipFill>
+        <p:spPr>
+          <a:xfrm>
+            <a:off x="8312398" y="4727802"/>
+            <a:ext cx="2946400" cy="1143000"/>
+          </a:xfrm>
+          <a:prstGeom prst="rect">
+            <a:avLst/>
+          </a:prstGeom>
+        </p:spPr>
+      </p:pic>
+      <p:sp>
+        <p:nvSpPr>
+          <p:cNvPr id="8" name="Right Brace 7">
+            <a:extLst>
+              <a:ext uri="{FF2B5EF4-FFF2-40B4-BE49-F238E27FC236}">
+                <a16:creationId xmlns:a16="http://schemas.microsoft.com/office/drawing/2014/main" id="{78382A14-15E6-254A-932A-50ED02101ECC}"/>
+              </a:ext>
+            </a:extLst>
+          </p:cNvPr>
+          <p:cNvSpPr/>
+          <p:nvPr/>
+        </p:nvSpPr>
+        <p:spPr>
+          <a:xfrm>
+            <a:off x="7415727" y="2220686"/>
+            <a:ext cx="427512" cy="1377537"/>
+          </a:xfrm>
+          <a:prstGeom prst="rightBrace">
+            <a:avLst/>
+          </a:prstGeom>
+          <a:ln w="69850"/>
+        </p:spPr>
+        <p:style>
+          <a:lnRef idx="1">
+            <a:schemeClr val="accent1"/>
+          </a:lnRef>
+          <a:fillRef idx="0">
+            <a:schemeClr val="accent1"/>
+          </a:fillRef>
+          <a:effectRef idx="0">
+            <a:schemeClr val="accent1"/>
+          </a:effectRef>
+          <a:fontRef idx="minor">
+            <a:schemeClr val="tx1"/>
+          </a:fontRef>
+        </p:style>
+        <p:txBody>
+          <a:bodyPr rtlCol="0" anchor="ctr"/>
+          <a:lstStyle/>
+          <a:p>
+            <a:pPr algn="ctr"/>
+            <a:endParaRPr lang="en-US"/>
+          </a:p>
+        </p:txBody>
+      </p:sp>
+      <p:sp>
+        <p:nvSpPr>
+          <p:cNvPr id="9" name="TextBox 8">
+            <a:extLst>
+              <a:ext uri="{FF2B5EF4-FFF2-40B4-BE49-F238E27FC236}">
+                <a16:creationId xmlns:a16="http://schemas.microsoft.com/office/drawing/2014/main" id="{3AC7A187-AE9B-1741-9AE3-F0B9622DDFDA}"/>
+              </a:ext>
+            </a:extLst>
+          </p:cNvPr>
+          <p:cNvSpPr txBox="1"/>
+          <p:nvPr/>
+        </p:nvSpPr>
+        <p:spPr>
+          <a:xfrm>
+            <a:off x="8051470" y="2220686"/>
+            <a:ext cx="3207328" cy="1200329"/>
+          </a:xfrm>
+          <a:prstGeom prst="rect">
+            <a:avLst/>
+          </a:prstGeom>
+          <a:noFill/>
+        </p:spPr>
+        <p:txBody>
+          <a:bodyPr wrap="square" rtlCol="0">
+            <a:spAutoFit/>
+          </a:bodyPr>
+          <a:lstStyle/>
+          <a:p>
+            <a:r>
+              <a:rPr lang="en-US" dirty="0"/>
+              <a:t>Information in JSON structure (Request body) will be converted into a </a:t>
+            </a:r>
+            <a:r>
+              <a:rPr lang="en-US" dirty="0" err="1"/>
+              <a:t>BuyShare</a:t>
+            </a:r>
+            <a:r>
+              <a:rPr lang="en-US" dirty="0"/>
+              <a:t> Object automatically by Jersey.</a:t>
+            </a:r>
+          </a:p>
+        </p:txBody>
+      </p:sp>
+      <p:cxnSp>
+        <p:nvCxnSpPr>
+          <p:cNvPr id="11" name="Straight Arrow Connector 10">
+            <a:extLst>
+              <a:ext uri="{FF2B5EF4-FFF2-40B4-BE49-F238E27FC236}">
+                <a16:creationId xmlns:a16="http://schemas.microsoft.com/office/drawing/2014/main" id="{6E253406-A39B-8A4F-9639-7FD61841E4FF}"/>
+              </a:ext>
+            </a:extLst>
+          </p:cNvPr>
+          <p:cNvCxnSpPr/>
+          <p:nvPr/>
+        </p:nvCxnSpPr>
+        <p:spPr>
+          <a:xfrm flipH="1">
+            <a:off x="2850078" y="1900052"/>
+            <a:ext cx="724395" cy="415636"/>
+          </a:xfrm>
+          <a:prstGeom prst="straightConnector1">
+            <a:avLst/>
+          </a:prstGeom>
+          <a:ln>
+            <a:tailEnd type="triangle"/>
+          </a:ln>
+        </p:spPr>
+        <p:style>
+          <a:lnRef idx="1">
+            <a:schemeClr val="accent1"/>
+          </a:lnRef>
+          <a:fillRef idx="0">
+            <a:schemeClr val="accent1"/>
+          </a:fillRef>
+          <a:effectRef idx="0">
+            <a:schemeClr val="accent1"/>
+          </a:effectRef>
+          <a:fontRef idx="minor">
+            <a:schemeClr val="tx1"/>
+          </a:fontRef>
+        </p:style>
+      </p:cxnSp>
+      <p:sp>
+        <p:nvSpPr>
+          <p:cNvPr id="12" name="TextBox 11">
+            <a:extLst>
+              <a:ext uri="{FF2B5EF4-FFF2-40B4-BE49-F238E27FC236}">
+                <a16:creationId xmlns:a16="http://schemas.microsoft.com/office/drawing/2014/main" id="{3B282EAF-C8C9-6F40-BF26-CDF857A8C6CE}"/>
+              </a:ext>
+            </a:extLst>
+          </p:cNvPr>
+          <p:cNvSpPr txBox="1"/>
+          <p:nvPr/>
+        </p:nvSpPr>
+        <p:spPr>
+          <a:xfrm>
+            <a:off x="3574473" y="1669357"/>
+            <a:ext cx="1983179" cy="646331"/>
+          </a:xfrm>
+          <a:prstGeom prst="rect">
+            <a:avLst/>
+          </a:prstGeom>
+          <a:noFill/>
+        </p:spPr>
+        <p:txBody>
+          <a:bodyPr wrap="square" rtlCol="0">
+            <a:spAutoFit/>
+          </a:bodyPr>
+          <a:lstStyle/>
+          <a:p>
+            <a:r>
+              <a:rPr lang="en-US" dirty="0">
+                <a:solidFill>
+                  <a:srgbClr val="FF0000"/>
+                </a:solidFill>
+              </a:rPr>
+              <a:t>The share must be a positive number</a:t>
+            </a:r>
+          </a:p>
+        </p:txBody>
+      </p:sp>
+      <p:cxnSp>
+        <p:nvCxnSpPr>
+          <p:cNvPr id="14" name="Straight Arrow Connector 13">
+            <a:extLst>
+              <a:ext uri="{FF2B5EF4-FFF2-40B4-BE49-F238E27FC236}">
+                <a16:creationId xmlns:a16="http://schemas.microsoft.com/office/drawing/2014/main" id="{FAF41874-B177-AB42-A1D8-11F979002D3D}"/>
+              </a:ext>
+            </a:extLst>
+          </p:cNvPr>
+          <p:cNvCxnSpPr/>
+          <p:nvPr/>
+        </p:nvCxnSpPr>
+        <p:spPr>
+          <a:xfrm flipH="1" flipV="1">
+            <a:off x="4233841" y="3144016"/>
+            <a:ext cx="332221" cy="252327"/>
+          </a:xfrm>
+          <a:prstGeom prst="straightConnector1">
+            <a:avLst/>
+          </a:prstGeom>
+          <a:ln>
+            <a:tailEnd type="triangle"/>
+          </a:ln>
+        </p:spPr>
+        <p:style>
+          <a:lnRef idx="1">
+            <a:schemeClr val="accent1"/>
+          </a:lnRef>
+          <a:fillRef idx="0">
+            <a:schemeClr val="accent1"/>
+          </a:fillRef>
+          <a:effectRef idx="0">
+            <a:schemeClr val="accent1"/>
+          </a:effectRef>
+          <a:fontRef idx="minor">
+            <a:schemeClr val="tx1"/>
+          </a:fontRef>
+        </p:style>
+      </p:cxnSp>
+      <p:sp>
+        <p:nvSpPr>
+          <p:cNvPr id="15" name="TextBox 14">
+            <a:extLst>
+              <a:ext uri="{FF2B5EF4-FFF2-40B4-BE49-F238E27FC236}">
+                <a16:creationId xmlns:a16="http://schemas.microsoft.com/office/drawing/2014/main" id="{ADD0EBCD-4BD4-E14C-A38C-503903492C99}"/>
+              </a:ext>
+            </a:extLst>
+          </p:cNvPr>
+          <p:cNvSpPr txBox="1"/>
+          <p:nvPr/>
+        </p:nvSpPr>
+        <p:spPr>
+          <a:xfrm>
+            <a:off x="4542065" y="3270179"/>
+            <a:ext cx="2665431" cy="646331"/>
+          </a:xfrm>
+          <a:prstGeom prst="rect">
+            <a:avLst/>
+          </a:prstGeom>
+          <a:noFill/>
+        </p:spPr>
+        <p:txBody>
+          <a:bodyPr wrap="square" rtlCol="0">
+            <a:spAutoFit/>
+          </a:bodyPr>
+          <a:lstStyle/>
+          <a:p>
+            <a:r>
+              <a:rPr lang="en-US" dirty="0">
+                <a:solidFill>
+                  <a:srgbClr val="FFFF00"/>
+                </a:solidFill>
+              </a:rPr>
+              <a:t>A regular expression constrains the date format</a:t>
+            </a:r>
+          </a:p>
+        </p:txBody>
+      </p:sp>
+    </p:spTree>
+    <p:extLst>
+      <p:ext uri="{BB962C8B-B14F-4D97-AF65-F5344CB8AC3E}">
+        <p14:creationId xmlns:p14="http://schemas.microsoft.com/office/powerpoint/2010/main" val="361314986"/>
+      </p:ext>
+    </p:extLst>
+  </p:cSld>
+  <p:clrMapOvr>
+    <a:masterClrMapping/>
+  </p:clrMapOvr>
+  <p:timing>
+    <p:tnLst>
+      <p:par>
+        <p:cTn id="1" dur="indefinite" restart="never" nodeType="tmRoot">
+          <p:childTnLst>
+            <p:seq concurrent="1" nextAc="seek">
+              <p:cTn id="2" dur="indefinite" nodeType="mainSeq">
+                <p:childTnLst>
+                  <p:par>
+                    <p:cTn id="3" fill="hold">
+                      <p:stCondLst>
+                        <p:cond delay="indefinite"/>
+                      </p:stCondLst>
+                      <p:childTnLst>
+                        <p:par>
+                          <p:cTn id="4" fill="hold">
+                            <p:stCondLst>
+                              <p:cond delay="0"/>
+                            </p:stCondLst>
+                            <p:childTnLst>
+                              <p:par>
+                                <p:cTn id="5" presetID="1" presetClass="entr" presetSubtype="0" fill="hold" grpId="0" nodeType="clickEffect">
+                                  <p:stCondLst>
+                                    <p:cond delay="0"/>
+                                  </p:stCondLst>
+                                  <p:childTnLst>
+                                    <p:set>
+                                      <p:cBhvr>
+                                        <p:cTn id="6" dur="1" fill="hold">
+                                          <p:stCondLst>
+                                            <p:cond delay="0"/>
+                                          </p:stCondLst>
+                                        </p:cTn>
+                                        <p:tgtEl>
+                                          <p:spTgt spid="12"/>
+                                        </p:tgtEl>
+                                        <p:attrNameLst>
+                                          <p:attrName>style.visibility</p:attrName>
+                                        </p:attrNameLst>
+                                      </p:cBhvr>
+                                      <p:to>
+                                        <p:strVal val="visible"/>
+                                      </p:to>
+                                    </p:set>
+                                  </p:childTnLst>
+                                </p:cTn>
+                              </p:par>
+                              <p:par>
+                                <p:cTn id="7" presetID="1" presetClass="entr" presetSubtype="0" fill="hold" nodeType="withEffect">
+                                  <p:stCondLst>
+                                    <p:cond delay="0"/>
+                                  </p:stCondLst>
+                                  <p:childTnLst>
+                                    <p:set>
+                                      <p:cBhvr>
+                                        <p:cTn id="8" dur="1" fill="hold">
+                                          <p:stCondLst>
+                                            <p:cond delay="0"/>
+                                          </p:stCondLst>
+                                        </p:cTn>
+                                        <p:tgtEl>
+                                          <p:spTgt spid="11"/>
+                                        </p:tgtEl>
+                                        <p:attrNameLst>
+                                          <p:attrName>style.visibility</p:attrName>
+                                        </p:attrNameLst>
+                                      </p:cBhvr>
+                                      <p:to>
+                                        <p:strVal val="visible"/>
+                                      </p:to>
+                                    </p:set>
+                                  </p:childTnLst>
+                                </p:cTn>
+                              </p:par>
+                            </p:childTnLst>
+                          </p:cTn>
+                        </p:par>
+                      </p:childTnLst>
+                    </p:cTn>
+                  </p:par>
+                  <p:par>
+                    <p:cTn id="9" fill="hold">
+                      <p:stCondLst>
+                        <p:cond delay="indefinite"/>
+                      </p:stCondLst>
+                      <p:childTnLst>
+                        <p:par>
+                          <p:cTn id="10" fill="hold">
+                            <p:stCondLst>
+                              <p:cond delay="0"/>
+                            </p:stCondLst>
+                            <p:childTnLst>
+                              <p:par>
+                                <p:cTn id="11" presetID="1" presetClass="entr" presetSubtype="0" fill="hold" grpId="0" nodeType="clickEffect">
+                                  <p:stCondLst>
+                                    <p:cond delay="0"/>
+                                  </p:stCondLst>
+                                  <p:childTnLst>
+                                    <p:set>
+                                      <p:cBhvr>
+                                        <p:cTn id="12" dur="1" fill="hold">
+                                          <p:stCondLst>
+                                            <p:cond delay="0"/>
+                                          </p:stCondLst>
+                                        </p:cTn>
+                                        <p:tgtEl>
+                                          <p:spTgt spid="15"/>
+                                        </p:tgtEl>
+                                        <p:attrNameLst>
+                                          <p:attrName>style.visibility</p:attrName>
+                                        </p:attrNameLst>
+                                      </p:cBhvr>
+                                      <p:to>
+                                        <p:strVal val="visible"/>
+                                      </p:to>
+                                    </p:set>
+                                  </p:childTnLst>
+                                </p:cTn>
+                              </p:par>
+                              <p:par>
+                                <p:cTn id="13" presetID="1" presetClass="entr" presetSubtype="0" fill="hold" nodeType="withEffect">
+                                  <p:stCondLst>
+                                    <p:cond delay="0"/>
+                                  </p:stCondLst>
+                                  <p:childTnLst>
+                                    <p:set>
+                                      <p:cBhvr>
+                                        <p:cTn id="14" dur="1" fill="hold">
+                                          <p:stCondLst>
+                                            <p:cond delay="0"/>
+                                          </p:stCondLst>
+                                        </p:cTn>
+                                        <p:tgtEl>
+                                          <p:spTgt spid="14"/>
+                                        </p:tgtEl>
+                                        <p:attrNameLst>
+                                          <p:attrName>style.visibility</p:attrName>
+                                        </p:attrNameLst>
+                                      </p:cBhvr>
+                                      <p:to>
+                                        <p:strVal val="visible"/>
+                                      </p:to>
+                                    </p:set>
+                                  </p:childTnLst>
+                                </p:cTn>
+                              </p:par>
+                            </p:childTnLst>
+                          </p:cTn>
+                        </p:par>
+                      </p:childTnLst>
+                    </p:cTn>
+                  </p:par>
+                </p:childTnLst>
+              </p:cTn>
+              <p:prevCondLst>
+                <p:cond evt="onPrev" delay="0">
+                  <p:tgtEl>
+                    <p:sldTgt/>
+                  </p:tgtEl>
+                </p:cond>
+              </p:prevCondLst>
+              <p:nextCondLst>
+                <p:cond evt="onNext" delay="0">
+                  <p:tgtEl>
+                    <p:sldTgt/>
+                  </p:tgtEl>
+                </p:cond>
+              </p:nextCondLst>
+            </p:seq>
+          </p:childTnLst>
+        </p:cTn>
+      </p:par>
+    </p:tnLst>
+    <p:bldLst>
+      <p:bldP spid="12" grpId="0"/>
+      <p:bldP spid="15" grpId="0"/>
+    </p:bldLst>
+  </p:timing>
+</p:sld>
+</file>
+
+<file path=ppt/slides/slide13.xml><?xml version="1.0" encoding="utf-8"?>
+<p:sld xmlns:a="http://schemas.openxmlformats.org/drawingml/2006/main" xmlns:r="http://schemas.openxmlformats.org/officeDocument/2006/relationships" xmlns:p="http://schemas.openxmlformats.org/presentationml/2006/main">
+  <p:cSld>
+    <p:spTree>
+      <p:nvGrpSpPr>
+        <p:cNvPr id="1" name=""/>
+        <p:cNvGrpSpPr/>
+        <p:nvPr/>
+      </p:nvGrpSpPr>
+      <p:grpSpPr>
+        <a:xfrm>
+          <a:off x="0" y="0"/>
+          <a:ext cx="0" cy="0"/>
+          <a:chOff x="0" y="0"/>
+          <a:chExt cx="0" cy="0"/>
+        </a:xfrm>
+      </p:grpSpPr>
+      <p:sp>
+        <p:nvSpPr>
+          <p:cNvPr id="2" name="Title 1">
+            <a:extLst>
+              <a:ext uri="{FF2B5EF4-FFF2-40B4-BE49-F238E27FC236}">
                 <a16:creationId xmlns:a16="http://schemas.microsoft.com/office/drawing/2014/main" id="{9FA8F71E-AE16-BD42-9F65-651E52EF1B5F}"/>
               </a:ext>
             </a:extLst>
@@ -4018,10 +5647,10 @@
       </p:sp>
       <p:pic>
         <p:nvPicPr>
-          <p:cNvPr id="5" name="Content Placeholder 4">
-            <a:extLst>
-              <a:ext uri="{FF2B5EF4-FFF2-40B4-BE49-F238E27FC236}">
-                <a16:creationId xmlns:a16="http://schemas.microsoft.com/office/drawing/2014/main" id="{C41609D5-D034-1347-9098-1A12250F35BA}"/>
+          <p:cNvPr id="7" name="Content Placeholder 6">
+            <a:extLst>
+              <a:ext uri="{FF2B5EF4-FFF2-40B4-BE49-F238E27FC236}">
+                <a16:creationId xmlns:a16="http://schemas.microsoft.com/office/drawing/2014/main" id="{79DAFAE0-4CE8-464B-9DB4-B587C5DF396E}"/>
               </a:ext>
             </a:extLst>
           </p:cNvPr>
@@ -4040,46 +5669,11 @@
         </p:blipFill>
         <p:spPr>
           <a:xfrm>
-            <a:off x="2156692" y="1690688"/>
-            <a:ext cx="4933766" cy="3665083"/>
+            <a:off x="1750621" y="1531916"/>
+            <a:ext cx="4569134" cy="3917528"/>
           </a:xfrm>
         </p:spPr>
       </p:pic>
-      <p:sp>
-        <p:nvSpPr>
-          <p:cNvPr id="8" name="TextBox 7">
-            <a:extLst>
-              <a:ext uri="{FF2B5EF4-FFF2-40B4-BE49-F238E27FC236}">
-                <a16:creationId xmlns:a16="http://schemas.microsoft.com/office/drawing/2014/main" id="{B376736B-F03C-FD4D-B271-575F9CADDA00}"/>
-              </a:ext>
-            </a:extLst>
-          </p:cNvPr>
-          <p:cNvSpPr txBox="1"/>
-          <p:nvPr/>
-        </p:nvSpPr>
-        <p:spPr>
-          <a:xfrm>
-            <a:off x="117207" y="3409690"/>
-            <a:ext cx="1652852" cy="923330"/>
-          </a:xfrm>
-          <a:prstGeom prst="rect">
-            <a:avLst/>
-          </a:prstGeom>
-          <a:noFill/>
-        </p:spPr>
-        <p:txBody>
-          <a:bodyPr wrap="square" rtlCol="0">
-            <a:spAutoFit/>
-          </a:bodyPr>
-          <a:lstStyle/>
-          <a:p>
-            <a:r>
-              <a:rPr lang="en-US" dirty="0"/>
-              <a:t>Stock classes copied from last exercise</a:t>
-            </a:r>
-          </a:p>
-        </p:txBody>
-      </p:sp>
       <p:cxnSp>
         <p:nvCxnSpPr>
           <p:cNvPr id="9" name="Straight Arrow Connector 8">
@@ -4096,8 +5690,8 @@
         </p:nvCxnSpPr>
         <p:spPr>
           <a:xfrm flipH="1">
-            <a:off x="4392779" y="4590409"/>
-            <a:ext cx="3693226" cy="0"/>
+            <a:off x="4919696" y="4405743"/>
+            <a:ext cx="1908616" cy="0"/>
           </a:xfrm>
           <a:prstGeom prst="straightConnector1">
             <a:avLst/>
@@ -4121,120 +5715,6 @@
           </a:fontRef>
         </p:style>
       </p:cxnSp>
-      <p:sp>
-        <p:nvSpPr>
-          <p:cNvPr id="10" name="TextBox 9">
-            <a:extLst>
-              <a:ext uri="{FF2B5EF4-FFF2-40B4-BE49-F238E27FC236}">
-                <a16:creationId xmlns:a16="http://schemas.microsoft.com/office/drawing/2014/main" id="{81DD42B1-8FA6-4B47-96E2-F0820A2955C0}"/>
-              </a:ext>
-            </a:extLst>
-          </p:cNvPr>
-          <p:cNvSpPr txBox="1"/>
-          <p:nvPr/>
-        </p:nvSpPr>
-        <p:spPr>
-          <a:xfrm>
-            <a:off x="8278091" y="4405743"/>
-            <a:ext cx="3075709" cy="369332"/>
-          </a:xfrm>
-          <a:prstGeom prst="rect">
-            <a:avLst/>
-          </a:prstGeom>
-          <a:noFill/>
-        </p:spPr>
-        <p:txBody>
-          <a:bodyPr wrap="square" rtlCol="0">
-            <a:spAutoFit/>
-          </a:bodyPr>
-          <a:lstStyle/>
-          <a:p>
-            <a:r>
-              <a:rPr lang="en-US" dirty="0"/>
-              <a:t>Resource class of all endpoints</a:t>
-            </a:r>
-          </a:p>
-        </p:txBody>
-      </p:sp>
-      <p:cxnSp>
-        <p:nvCxnSpPr>
-          <p:cNvPr id="12" name="Straight Arrow Connector 11">
-            <a:extLst>
-              <a:ext uri="{FF2B5EF4-FFF2-40B4-BE49-F238E27FC236}">
-                <a16:creationId xmlns:a16="http://schemas.microsoft.com/office/drawing/2014/main" id="{D6A520C2-8501-3448-B587-06C66E127A6F}"/>
-              </a:ext>
-            </a:extLst>
-          </p:cNvPr>
-          <p:cNvCxnSpPr/>
-          <p:nvPr/>
-        </p:nvCxnSpPr>
-        <p:spPr>
-          <a:xfrm>
-            <a:off x="1365662" y="4904509"/>
-            <a:ext cx="1045029" cy="0"/>
-          </a:xfrm>
-          <a:prstGeom prst="straightConnector1">
-            <a:avLst/>
-          </a:prstGeom>
-          <a:ln w="82550">
-            <a:tailEnd type="triangle"/>
-          </a:ln>
-        </p:spPr>
-        <p:style>
-          <a:lnRef idx="1">
-            <a:schemeClr val="accent1"/>
-          </a:lnRef>
-          <a:fillRef idx="0">
-            <a:schemeClr val="accent1"/>
-          </a:fillRef>
-          <a:effectRef idx="0">
-            <a:schemeClr val="accent1"/>
-          </a:effectRef>
-          <a:fontRef idx="minor">
-            <a:schemeClr val="tx1"/>
-          </a:fontRef>
-        </p:style>
-      </p:cxnSp>
-      <p:sp>
-        <p:nvSpPr>
-          <p:cNvPr id="13" name="TextBox 12">
-            <a:extLst>
-              <a:ext uri="{FF2B5EF4-FFF2-40B4-BE49-F238E27FC236}">
-                <a16:creationId xmlns:a16="http://schemas.microsoft.com/office/drawing/2014/main" id="{C6CCA519-2C6E-CB4C-88DC-E8C0E678AF0A}"/>
-              </a:ext>
-            </a:extLst>
-          </p:cNvPr>
-          <p:cNvSpPr txBox="1"/>
-          <p:nvPr/>
-        </p:nvSpPr>
-        <p:spPr>
-          <a:xfrm>
-            <a:off x="160267" y="4405743"/>
-            <a:ext cx="1223158" cy="923330"/>
-          </a:xfrm>
-          <a:prstGeom prst="rect">
-            <a:avLst/>
-          </a:prstGeom>
-          <a:noFill/>
-        </p:spPr>
-        <p:txBody>
-          <a:bodyPr wrap="square" rtlCol="0">
-            <a:spAutoFit/>
-          </a:bodyPr>
-          <a:lstStyle/>
-          <a:p>
-            <a:r>
-              <a:rPr lang="en-US" dirty="0"/>
-              <a:t>Jersey configure - </a:t>
-            </a:r>
-            <a:r>
-              <a:rPr lang="en-US" dirty="0" err="1"/>
-              <a:t>RestConfig</a:t>
-            </a:r>
-            <a:endParaRPr lang="en-US" dirty="0"/>
-          </a:p>
-        </p:txBody>
-      </p:sp>
       <p:cxnSp>
         <p:nvCxnSpPr>
           <p:cNvPr id="14" name="Straight Arrow Connector 13">
@@ -4251,84 +5731,8 @@
         </p:nvCxnSpPr>
         <p:spPr>
           <a:xfrm flipH="1">
-            <a:off x="4853937" y="5286126"/>
-            <a:ext cx="2900650" cy="0"/>
-          </a:xfrm>
-          <a:prstGeom prst="straightConnector1">
-            <a:avLst/>
-          </a:prstGeom>
-          <a:ln w="82550">
-            <a:tailEnd type="triangle"/>
-          </a:ln>
-        </p:spPr>
-        <p:style>
-          <a:lnRef idx="1">
-            <a:schemeClr val="accent1"/>
-          </a:lnRef>
-          <a:fillRef idx="0">
-            <a:schemeClr val="accent1"/>
-          </a:fillRef>
-          <a:effectRef idx="0">
-            <a:schemeClr val="accent1"/>
-          </a:effectRef>
-          <a:fontRef idx="minor">
-            <a:schemeClr val="tx1"/>
-          </a:fontRef>
-        </p:style>
-      </p:cxnSp>
-      <p:sp>
-        <p:nvSpPr>
-          <p:cNvPr id="16" name="TextBox 15">
-            <a:extLst>
-              <a:ext uri="{FF2B5EF4-FFF2-40B4-BE49-F238E27FC236}">
-                <a16:creationId xmlns:a16="http://schemas.microsoft.com/office/drawing/2014/main" id="{6152D4F7-F90F-0745-913F-92DC296885D1}"/>
-              </a:ext>
-            </a:extLst>
-          </p:cNvPr>
-          <p:cNvSpPr txBox="1"/>
-          <p:nvPr/>
-        </p:nvSpPr>
-        <p:spPr>
-          <a:xfrm>
-            <a:off x="7863725" y="4962960"/>
-            <a:ext cx="2980707" cy="646331"/>
-          </a:xfrm>
-          <a:prstGeom prst="rect">
-            <a:avLst/>
-          </a:prstGeom>
-          <a:noFill/>
-        </p:spPr>
-        <p:txBody>
-          <a:bodyPr wrap="square" rtlCol="0">
-            <a:spAutoFit/>
-          </a:bodyPr>
-          <a:lstStyle/>
-          <a:p>
-            <a:r>
-              <a:rPr lang="en-US" dirty="0"/>
-              <a:t>Bind Repository class for Injection</a:t>
-            </a:r>
-          </a:p>
-        </p:txBody>
-      </p:sp>
-      <p:cxnSp>
-        <p:nvCxnSpPr>
-          <p:cNvPr id="18" name="Straight Arrow Connector 17">
-            <a:extLst>
-              <a:ext uri="{FF2B5EF4-FFF2-40B4-BE49-F238E27FC236}">
-                <a16:creationId xmlns:a16="http://schemas.microsoft.com/office/drawing/2014/main" id="{732B5643-36D1-0445-93E1-BD2F93E83BCD}"/>
-              </a:ext>
-            </a:extLst>
-          </p:cNvPr>
-          <p:cNvCxnSpPr>
-            <a:cxnSpLocks/>
-          </p:cNvCxnSpPr>
-          <p:nvPr/>
-        </p:nvCxnSpPr>
-        <p:spPr>
-          <a:xfrm>
-            <a:off x="1407861" y="3883229"/>
-            <a:ext cx="724395" cy="0"/>
+            <a:off x="5566458" y="5179248"/>
+            <a:ext cx="1261854" cy="0"/>
           </a:xfrm>
           <a:prstGeom prst="straightConnector1">
             <a:avLst/>
@@ -4368,8 +5772,8 @@
         </p:nvCxnSpPr>
         <p:spPr>
           <a:xfrm flipH="1">
-            <a:off x="4389264" y="3614653"/>
-            <a:ext cx="3693226" cy="0"/>
+            <a:off x="4888028" y="3068388"/>
+            <a:ext cx="2070912" cy="0"/>
           </a:xfrm>
           <a:prstGeom prst="straightConnector1">
             <a:avLst/>
@@ -4393,41 +5797,6 @@
           </a:fontRef>
         </p:style>
       </p:cxnSp>
-      <p:sp>
-        <p:nvSpPr>
-          <p:cNvPr id="21" name="TextBox 20">
-            <a:extLst>
-              <a:ext uri="{FF2B5EF4-FFF2-40B4-BE49-F238E27FC236}">
-                <a16:creationId xmlns:a16="http://schemas.microsoft.com/office/drawing/2014/main" id="{DA1A77CC-F9EA-304B-A221-506F2B934712}"/>
-              </a:ext>
-            </a:extLst>
-          </p:cNvPr>
-          <p:cNvSpPr txBox="1"/>
-          <p:nvPr/>
-        </p:nvSpPr>
-        <p:spPr>
-          <a:xfrm>
-            <a:off x="8278091" y="3378618"/>
-            <a:ext cx="2469078" cy="646331"/>
-          </a:xfrm>
-          <a:prstGeom prst="rect">
-            <a:avLst/>
-          </a:prstGeom>
-          <a:noFill/>
-        </p:spPr>
-        <p:txBody>
-          <a:bodyPr wrap="square" rtlCol="0">
-            <a:spAutoFit/>
-          </a:bodyPr>
-          <a:lstStyle/>
-          <a:p>
-            <a:r>
-              <a:rPr lang="en-US" dirty="0"/>
-              <a:t>Hold JSON body in HTTP request</a:t>
-            </a:r>
-          </a:p>
-        </p:txBody>
-      </p:sp>
       <p:cxnSp>
         <p:nvCxnSpPr>
           <p:cNvPr id="22" name="Straight Arrow Connector 21">
@@ -4444,8 +5813,8 @@
         </p:nvCxnSpPr>
         <p:spPr>
           <a:xfrm flipH="1">
-            <a:off x="4212226" y="1902628"/>
-            <a:ext cx="3693226" cy="0"/>
+            <a:off x="4584865" y="2187636"/>
+            <a:ext cx="2243447" cy="0"/>
           </a:xfrm>
           <a:prstGeom prst="straightConnector1">
             <a:avLst/>
@@ -4483,7 +5852,7 @@
         </p:nvSpPr>
         <p:spPr>
           <a:xfrm>
-            <a:off x="8082490" y="1508166"/>
+            <a:off x="7151266" y="1725971"/>
             <a:ext cx="2664679" cy="923330"/>
           </a:xfrm>
           <a:prstGeom prst="rect">
@@ -4499,7 +5868,267 @@
           <a:p>
             <a:r>
               <a:rPr lang="en-US" dirty="0"/>
-              <a:t>Some self-defined exceptions and their manager</a:t>
+              <a:t>Some self-defined exceptions and their mapper</a:t>
+            </a:r>
+          </a:p>
+        </p:txBody>
+      </p:sp>
+      <p:sp>
+        <p:nvSpPr>
+          <p:cNvPr id="8" name="TextBox 7">
+            <a:extLst>
+              <a:ext uri="{FF2B5EF4-FFF2-40B4-BE49-F238E27FC236}">
+                <a16:creationId xmlns:a16="http://schemas.microsoft.com/office/drawing/2014/main" id="{B376736B-F03C-FD4D-B271-575F9CADDA00}"/>
+              </a:ext>
+            </a:extLst>
+          </p:cNvPr>
+          <p:cNvSpPr txBox="1"/>
+          <p:nvPr/>
+        </p:nvSpPr>
+        <p:spPr>
+          <a:xfrm>
+            <a:off x="92684" y="2899018"/>
+            <a:ext cx="1652852" cy="923330"/>
+          </a:xfrm>
+          <a:prstGeom prst="rect">
+            <a:avLst/>
+          </a:prstGeom>
+          <a:noFill/>
+        </p:spPr>
+        <p:txBody>
+          <a:bodyPr wrap="square" rtlCol="0">
+            <a:spAutoFit/>
+          </a:bodyPr>
+          <a:lstStyle/>
+          <a:p>
+            <a:r>
+              <a:rPr lang="en-US" dirty="0"/>
+              <a:t>Stock classes copied from last exercise</a:t>
+            </a:r>
+          </a:p>
+        </p:txBody>
+      </p:sp>
+      <p:sp>
+        <p:nvSpPr>
+          <p:cNvPr id="10" name="TextBox 9">
+            <a:extLst>
+              <a:ext uri="{FF2B5EF4-FFF2-40B4-BE49-F238E27FC236}">
+                <a16:creationId xmlns:a16="http://schemas.microsoft.com/office/drawing/2014/main" id="{81DD42B1-8FA6-4B47-96E2-F0820A2955C0}"/>
+              </a:ext>
+            </a:extLst>
+          </p:cNvPr>
+          <p:cNvSpPr txBox="1"/>
+          <p:nvPr/>
+        </p:nvSpPr>
+        <p:spPr>
+          <a:xfrm>
+            <a:off x="7151266" y="4221077"/>
+            <a:ext cx="3075709" cy="369332"/>
+          </a:xfrm>
+          <a:prstGeom prst="rect">
+            <a:avLst/>
+          </a:prstGeom>
+          <a:noFill/>
+        </p:spPr>
+        <p:txBody>
+          <a:bodyPr wrap="square" rtlCol="0">
+            <a:spAutoFit/>
+          </a:bodyPr>
+          <a:lstStyle/>
+          <a:p>
+            <a:r>
+              <a:rPr lang="en-US" dirty="0"/>
+              <a:t>Resource class of all endpoints</a:t>
+            </a:r>
+          </a:p>
+        </p:txBody>
+      </p:sp>
+      <p:cxnSp>
+        <p:nvCxnSpPr>
+          <p:cNvPr id="12" name="Straight Arrow Connector 11">
+            <a:extLst>
+              <a:ext uri="{FF2B5EF4-FFF2-40B4-BE49-F238E27FC236}">
+                <a16:creationId xmlns:a16="http://schemas.microsoft.com/office/drawing/2014/main" id="{D6A520C2-8501-3448-B587-06C66E127A6F}"/>
+              </a:ext>
+            </a:extLst>
+          </p:cNvPr>
+          <p:cNvCxnSpPr/>
+          <p:nvPr/>
+        </p:nvCxnSpPr>
+        <p:spPr>
+          <a:xfrm>
+            <a:off x="1407861" y="4799768"/>
+            <a:ext cx="1045029" cy="0"/>
+          </a:xfrm>
+          <a:prstGeom prst="straightConnector1">
+            <a:avLst/>
+          </a:prstGeom>
+          <a:ln w="82550">
+            <a:tailEnd type="triangle"/>
+          </a:ln>
+        </p:spPr>
+        <p:style>
+          <a:lnRef idx="1">
+            <a:schemeClr val="accent1"/>
+          </a:lnRef>
+          <a:fillRef idx="0">
+            <a:schemeClr val="accent1"/>
+          </a:fillRef>
+          <a:effectRef idx="0">
+            <a:schemeClr val="accent1"/>
+          </a:effectRef>
+          <a:fontRef idx="minor">
+            <a:schemeClr val="tx1"/>
+          </a:fontRef>
+        </p:style>
+      </p:cxnSp>
+      <p:sp>
+        <p:nvSpPr>
+          <p:cNvPr id="13" name="TextBox 12">
+            <a:extLst>
+              <a:ext uri="{FF2B5EF4-FFF2-40B4-BE49-F238E27FC236}">
+                <a16:creationId xmlns:a16="http://schemas.microsoft.com/office/drawing/2014/main" id="{C6CCA519-2C6E-CB4C-88DC-E8C0E678AF0A}"/>
+              </a:ext>
+            </a:extLst>
+          </p:cNvPr>
+          <p:cNvSpPr txBox="1"/>
+          <p:nvPr/>
+        </p:nvSpPr>
+        <p:spPr>
+          <a:xfrm>
+            <a:off x="0" y="4405743"/>
+            <a:ext cx="1383425" cy="923330"/>
+          </a:xfrm>
+          <a:prstGeom prst="rect">
+            <a:avLst/>
+          </a:prstGeom>
+          <a:noFill/>
+        </p:spPr>
+        <p:txBody>
+          <a:bodyPr wrap="square" rtlCol="0">
+            <a:spAutoFit/>
+          </a:bodyPr>
+          <a:lstStyle/>
+          <a:p>
+            <a:r>
+              <a:rPr lang="en-US" dirty="0"/>
+              <a:t>Jersey configure - </a:t>
+            </a:r>
+            <a:r>
+              <a:rPr lang="en-US" dirty="0" err="1"/>
+              <a:t>RestConfig</a:t>
+            </a:r>
+            <a:endParaRPr lang="en-US" dirty="0"/>
+          </a:p>
+        </p:txBody>
+      </p:sp>
+      <p:sp>
+        <p:nvSpPr>
+          <p:cNvPr id="16" name="TextBox 15">
+            <a:extLst>
+              <a:ext uri="{FF2B5EF4-FFF2-40B4-BE49-F238E27FC236}">
+                <a16:creationId xmlns:a16="http://schemas.microsoft.com/office/drawing/2014/main" id="{6152D4F7-F90F-0745-913F-92DC296885D1}"/>
+              </a:ext>
+            </a:extLst>
+          </p:cNvPr>
+          <p:cNvSpPr txBox="1"/>
+          <p:nvPr/>
+        </p:nvSpPr>
+        <p:spPr>
+          <a:xfrm>
+            <a:off x="7154885" y="4867408"/>
+            <a:ext cx="2980707" cy="646331"/>
+          </a:xfrm>
+          <a:prstGeom prst="rect">
+            <a:avLst/>
+          </a:prstGeom>
+          <a:noFill/>
+        </p:spPr>
+        <p:txBody>
+          <a:bodyPr wrap="square" rtlCol="0">
+            <a:spAutoFit/>
+          </a:bodyPr>
+          <a:lstStyle/>
+          <a:p>
+            <a:r>
+              <a:rPr lang="en-US" dirty="0"/>
+              <a:t>Bind Repository class for Injection</a:t>
+            </a:r>
+          </a:p>
+        </p:txBody>
+      </p:sp>
+      <p:cxnSp>
+        <p:nvCxnSpPr>
+          <p:cNvPr id="18" name="Straight Arrow Connector 17">
+            <a:extLst>
+              <a:ext uri="{FF2B5EF4-FFF2-40B4-BE49-F238E27FC236}">
+                <a16:creationId xmlns:a16="http://schemas.microsoft.com/office/drawing/2014/main" id="{732B5643-36D1-0445-93E1-BD2F93E83BCD}"/>
+              </a:ext>
+            </a:extLst>
+          </p:cNvPr>
+          <p:cNvCxnSpPr>
+            <a:cxnSpLocks/>
+          </p:cNvCxnSpPr>
+          <p:nvPr/>
+        </p:nvCxnSpPr>
+        <p:spPr>
+          <a:xfrm>
+            <a:off x="1407861" y="3409690"/>
+            <a:ext cx="724395" cy="0"/>
+          </a:xfrm>
+          <a:prstGeom prst="straightConnector1">
+            <a:avLst/>
+          </a:prstGeom>
+          <a:ln w="82550">
+            <a:tailEnd type="triangle"/>
+          </a:ln>
+        </p:spPr>
+        <p:style>
+          <a:lnRef idx="1">
+            <a:schemeClr val="accent1"/>
+          </a:lnRef>
+          <a:fillRef idx="0">
+            <a:schemeClr val="accent1"/>
+          </a:fillRef>
+          <a:effectRef idx="0">
+            <a:schemeClr val="accent1"/>
+          </a:effectRef>
+          <a:fontRef idx="minor">
+            <a:schemeClr val="tx1"/>
+          </a:fontRef>
+        </p:style>
+      </p:cxnSp>
+      <p:sp>
+        <p:nvSpPr>
+          <p:cNvPr id="21" name="TextBox 20">
+            <a:extLst>
+              <a:ext uri="{FF2B5EF4-FFF2-40B4-BE49-F238E27FC236}">
+                <a16:creationId xmlns:a16="http://schemas.microsoft.com/office/drawing/2014/main" id="{DA1A77CC-F9EA-304B-A221-506F2B934712}"/>
+              </a:ext>
+            </a:extLst>
+          </p:cNvPr>
+          <p:cNvSpPr txBox="1"/>
+          <p:nvPr/>
+        </p:nvSpPr>
+        <p:spPr>
+          <a:xfrm>
+            <a:off x="7151266" y="2742692"/>
+            <a:ext cx="2469078" cy="646331"/>
+          </a:xfrm>
+          <a:prstGeom prst="rect">
+            <a:avLst/>
+          </a:prstGeom>
+          <a:noFill/>
+        </p:spPr>
+        <p:txBody>
+          <a:bodyPr wrap="square" rtlCol="0">
+            <a:spAutoFit/>
+          </a:bodyPr>
+          <a:lstStyle/>
+          <a:p>
+            <a:r>
+              <a:rPr lang="en-US" dirty="0"/>
+              <a:t>Hold JSON body in HTTP request</a:t>
             </a:r>
           </a:p>
         </p:txBody>
@@ -4976,12 +6605,12 @@
       </p:par>
     </p:tnLst>
     <p:bldLst>
+      <p:bldP spid="23" grpId="0"/>
       <p:bldP spid="8" grpId="0"/>
       <p:bldP spid="10" grpId="0"/>
       <p:bldP spid="13" grpId="0"/>
       <p:bldP spid="16" grpId="0"/>
       <p:bldP spid="21" grpId="0"/>
-      <p:bldP spid="23" grpId="0"/>
     </p:bldLst>
   </p:timing>
 </p:sld>
@@ -5123,8 +6752,8 @@
         </p:nvCxnSpPr>
         <p:spPr>
           <a:xfrm flipH="1">
-            <a:off x="3883232" y="3764478"/>
-            <a:ext cx="1223158" cy="0"/>
+            <a:off x="3922300" y="3835730"/>
+            <a:ext cx="1911926" cy="0"/>
           </a:xfrm>
           <a:prstGeom prst="straightConnector1">
             <a:avLst/>
@@ -5242,7 +6871,7 @@
           <a:p>
             <a:r>
               <a:rPr lang="en-US" sz="2400" dirty="0"/>
-              <a:t>Endpoints will use this repository to CRUD stocks.  </a:t>
+              <a:t>Endpoints will use these methods from repository class to do CRUD.  </a:t>
             </a:r>
           </a:p>
         </p:txBody>
@@ -5668,7 +7297,7 @@
           <p:cNvPr id="2" name="Title 1">
             <a:extLst>
               <a:ext uri="{FF2B5EF4-FFF2-40B4-BE49-F238E27FC236}">
-                <a16:creationId xmlns:a16="http://schemas.microsoft.com/office/drawing/2014/main" id="{993D3158-ACB9-B04D-A6B4-0BA44C1F9C3C}"/>
+                <a16:creationId xmlns:a16="http://schemas.microsoft.com/office/drawing/2014/main" id="{8114764C-FE92-3E45-899A-C7A8210D43D9}"/>
               </a:ext>
             </a:extLst>
           </p:cNvPr>
@@ -5681,31 +7310,22 @@
         </p:nvSpPr>
         <p:spPr/>
         <p:txBody>
-          <a:bodyPr>
-            <a:normAutofit fontScale="90000"/>
-          </a:bodyPr>
+          <a:bodyPr/>
           <a:lstStyle/>
           <a:p>
             <a:r>
               <a:rPr lang="en-US" dirty="0"/>
-              <a:t>Resource class (Endpoints)</a:t>
-            </a:r>
-            <a:br>
-              <a:rPr lang="en-US" dirty="0"/>
-            </a:br>
-            <a:r>
-              <a:rPr lang="en-US" dirty="0"/>
-              <a:t>- Just call according methods in Repository Object</a:t>
+              <a:t>Resource Class</a:t>
             </a:r>
           </a:p>
         </p:txBody>
       </p:sp>
       <p:pic>
         <p:nvPicPr>
-          <p:cNvPr id="4" name="Content Placeholder 3">
-            <a:extLst>
-              <a:ext uri="{FF2B5EF4-FFF2-40B4-BE49-F238E27FC236}">
-                <a16:creationId xmlns:a16="http://schemas.microsoft.com/office/drawing/2014/main" id="{E56B449C-AA6A-3D48-AA29-3AA157F95E4B}"/>
+          <p:cNvPr id="7" name="Content Placeholder 6">
+            <a:extLst>
+              <a:ext uri="{FF2B5EF4-FFF2-40B4-BE49-F238E27FC236}">
+                <a16:creationId xmlns:a16="http://schemas.microsoft.com/office/drawing/2014/main" id="{79DAFAE0-4CE8-464B-9DB4-B587C5DF396E}"/>
               </a:ext>
             </a:extLst>
           </p:cNvPr>
@@ -5724,17 +7344,17 @@
         </p:blipFill>
         <p:spPr>
           <a:xfrm>
-            <a:off x="838200" y="1778124"/>
-            <a:ext cx="7894966" cy="4515798"/>
+            <a:off x="1750621" y="1531916"/>
+            <a:ext cx="4569134" cy="3917528"/>
           </a:xfrm>
         </p:spPr>
       </p:pic>
       <p:cxnSp>
         <p:nvCxnSpPr>
-          <p:cNvPr id="6" name="Straight Arrow Connector 5">
-            <a:extLst>
-              <a:ext uri="{FF2B5EF4-FFF2-40B4-BE49-F238E27FC236}">
-                <a16:creationId xmlns:a16="http://schemas.microsoft.com/office/drawing/2014/main" id="{1355E8F6-8268-9B49-852C-89EC242FC37B}"/>
+          <p:cNvPr id="9" name="Straight Arrow Connector 8">
+            <a:extLst>
+              <a:ext uri="{FF2B5EF4-FFF2-40B4-BE49-F238E27FC236}">
+                <a16:creationId xmlns:a16="http://schemas.microsoft.com/office/drawing/2014/main" id="{78C5A316-E74F-CE44-8239-981636413C2D}"/>
               </a:ext>
             </a:extLst>
           </p:cNvPr>
@@ -5745,8 +7365,8 @@
         </p:nvCxnSpPr>
         <p:spPr>
           <a:xfrm flipH="1">
-            <a:off x="2873829" y="2636322"/>
-            <a:ext cx="1198109" cy="0"/>
+            <a:off x="4919696" y="4405743"/>
+            <a:ext cx="1908616" cy="0"/>
           </a:xfrm>
           <a:prstGeom prst="straightConnector1">
             <a:avLst/>
@@ -5772,10 +7392,10 @@
       </p:cxnSp>
       <p:sp>
         <p:nvSpPr>
-          <p:cNvPr id="9" name="TextBox 8">
-            <a:extLst>
-              <a:ext uri="{FF2B5EF4-FFF2-40B4-BE49-F238E27FC236}">
-                <a16:creationId xmlns:a16="http://schemas.microsoft.com/office/drawing/2014/main" id="{D371A9D0-C5C3-6541-9ABC-1986A0D45BC2}"/>
+          <p:cNvPr id="10" name="TextBox 9">
+            <a:extLst>
+              <a:ext uri="{FF2B5EF4-FFF2-40B4-BE49-F238E27FC236}">
+                <a16:creationId xmlns:a16="http://schemas.microsoft.com/office/drawing/2014/main" id="{81DD42B1-8FA6-4B47-96E2-F0820A2955C0}"/>
               </a:ext>
             </a:extLst>
           </p:cNvPr>
@@ -5784,8 +7404,8 @@
         </p:nvSpPr>
         <p:spPr>
           <a:xfrm>
-            <a:off x="4071938" y="2451656"/>
-            <a:ext cx="2766950" cy="369332"/>
+            <a:off x="7151266" y="4221077"/>
+            <a:ext cx="3075709" cy="369332"/>
           </a:xfrm>
           <a:prstGeom prst="rect">
             <a:avLst/>
@@ -5799,376 +7419,16 @@
           <a:lstStyle/>
           <a:p>
             <a:r>
-              <a:rPr lang="en-US" dirty="0">
-                <a:solidFill>
-                  <a:srgbClr val="FF0000"/>
-                </a:solidFill>
-              </a:rPr>
-              <a:t>Singleton Repository object </a:t>
-            </a:r>
-          </a:p>
-        </p:txBody>
-      </p:sp>
-      <p:cxnSp>
-        <p:nvCxnSpPr>
-          <p:cNvPr id="11" name="Straight Arrow Connector 10">
-            <a:extLst>
-              <a:ext uri="{FF2B5EF4-FFF2-40B4-BE49-F238E27FC236}">
-                <a16:creationId xmlns:a16="http://schemas.microsoft.com/office/drawing/2014/main" id="{B6E79FEA-9186-3F4F-A8C4-628297076D32}"/>
-              </a:ext>
-            </a:extLst>
-          </p:cNvPr>
-          <p:cNvCxnSpPr/>
-          <p:nvPr/>
-        </p:nvCxnSpPr>
-        <p:spPr>
-          <a:xfrm flipH="1">
-            <a:off x="7845938" y="4242741"/>
-            <a:ext cx="1496291" cy="0"/>
-          </a:xfrm>
-          <a:prstGeom prst="straightConnector1">
-            <a:avLst/>
-          </a:prstGeom>
-          <a:ln w="82550">
-            <a:tailEnd type="triangle"/>
-          </a:ln>
-        </p:spPr>
-        <p:style>
-          <a:lnRef idx="1">
-            <a:schemeClr val="accent1"/>
-          </a:lnRef>
-          <a:fillRef idx="0">
-            <a:schemeClr val="accent1"/>
-          </a:fillRef>
-          <a:effectRef idx="0">
-            <a:schemeClr val="accent1"/>
-          </a:effectRef>
-          <a:fontRef idx="minor">
-            <a:schemeClr val="tx1"/>
-          </a:fontRef>
-        </p:style>
-      </p:cxnSp>
-      <p:sp>
-        <p:nvSpPr>
-          <p:cNvPr id="12" name="TextBox 11">
-            <a:extLst>
-              <a:ext uri="{FF2B5EF4-FFF2-40B4-BE49-F238E27FC236}">
-                <a16:creationId xmlns:a16="http://schemas.microsoft.com/office/drawing/2014/main" id="{FBFE7477-7235-CA42-99AF-74109134B976}"/>
-              </a:ext>
-            </a:extLst>
-          </p:cNvPr>
-          <p:cNvSpPr txBox="1"/>
-          <p:nvPr/>
-        </p:nvSpPr>
-        <p:spPr>
-          <a:xfrm>
-            <a:off x="9596437" y="4036023"/>
-            <a:ext cx="1757363" cy="369332"/>
-          </a:xfrm>
-          <a:prstGeom prst="rect">
-            <a:avLst/>
-          </a:prstGeom>
-          <a:noFill/>
-        </p:spPr>
-        <p:txBody>
-          <a:bodyPr wrap="square" rtlCol="0">
-            <a:spAutoFit/>
-          </a:bodyPr>
-          <a:lstStyle/>
-          <a:p>
-            <a:r>
               <a:rPr lang="en-US" dirty="0"/>
-              <a:t>Create</a:t>
-            </a:r>
-          </a:p>
-        </p:txBody>
-      </p:sp>
-      <p:cxnSp>
-        <p:nvCxnSpPr>
-          <p:cNvPr id="13" name="Straight Arrow Connector 12">
-            <a:extLst>
-              <a:ext uri="{FF2B5EF4-FFF2-40B4-BE49-F238E27FC236}">
-                <a16:creationId xmlns:a16="http://schemas.microsoft.com/office/drawing/2014/main" id="{AE606AE0-7D00-FB44-BE69-F7CDD1BE6F4C}"/>
-              </a:ext>
-            </a:extLst>
-          </p:cNvPr>
-          <p:cNvCxnSpPr/>
-          <p:nvPr/>
-        </p:nvCxnSpPr>
-        <p:spPr>
-          <a:xfrm flipH="1">
-            <a:off x="8859900" y="3387016"/>
-            <a:ext cx="1496291" cy="0"/>
-          </a:xfrm>
-          <a:prstGeom prst="straightConnector1">
-            <a:avLst/>
-          </a:prstGeom>
-          <a:ln w="82550">
-            <a:solidFill>
-              <a:srgbClr val="FF0000"/>
-            </a:solidFill>
-            <a:tailEnd type="triangle"/>
-          </a:ln>
-        </p:spPr>
-        <p:style>
-          <a:lnRef idx="1">
-            <a:schemeClr val="accent1"/>
-          </a:lnRef>
-          <a:fillRef idx="0">
-            <a:schemeClr val="accent1"/>
-          </a:fillRef>
-          <a:effectRef idx="0">
-            <a:schemeClr val="accent1"/>
-          </a:effectRef>
-          <a:fontRef idx="minor">
-            <a:schemeClr val="tx1"/>
-          </a:fontRef>
-        </p:style>
-      </p:cxnSp>
-      <p:sp>
-        <p:nvSpPr>
-          <p:cNvPr id="14" name="TextBox 13">
-            <a:extLst>
-              <a:ext uri="{FF2B5EF4-FFF2-40B4-BE49-F238E27FC236}">
-                <a16:creationId xmlns:a16="http://schemas.microsoft.com/office/drawing/2014/main" id="{D530A8D7-8945-5449-9327-5091718C1FB4}"/>
-              </a:ext>
-            </a:extLst>
-          </p:cNvPr>
-          <p:cNvSpPr txBox="1"/>
-          <p:nvPr/>
-        </p:nvSpPr>
-        <p:spPr>
-          <a:xfrm>
-            <a:off x="10475118" y="3202350"/>
-            <a:ext cx="1757363" cy="369332"/>
-          </a:xfrm>
-          <a:prstGeom prst="rect">
-            <a:avLst/>
-          </a:prstGeom>
-          <a:noFill/>
-        </p:spPr>
-        <p:txBody>
-          <a:bodyPr wrap="square" rtlCol="0">
-            <a:spAutoFit/>
-          </a:bodyPr>
-          <a:lstStyle/>
-          <a:p>
-            <a:r>
-              <a:rPr lang="en-US" dirty="0"/>
-              <a:t>Read</a:t>
-            </a:r>
-          </a:p>
-        </p:txBody>
-      </p:sp>
-      <p:cxnSp>
-        <p:nvCxnSpPr>
-          <p:cNvPr id="15" name="Straight Arrow Connector 14">
-            <a:extLst>
-              <a:ext uri="{FF2B5EF4-FFF2-40B4-BE49-F238E27FC236}">
-                <a16:creationId xmlns:a16="http://schemas.microsoft.com/office/drawing/2014/main" id="{E647A0E1-8216-FF4A-B7BF-DDAD97D8EE74}"/>
-              </a:ext>
-            </a:extLst>
-          </p:cNvPr>
-          <p:cNvCxnSpPr/>
-          <p:nvPr/>
-        </p:nvCxnSpPr>
-        <p:spPr>
-          <a:xfrm flipH="1">
-            <a:off x="8217458" y="5446097"/>
-            <a:ext cx="1496291" cy="0"/>
-          </a:xfrm>
-          <a:prstGeom prst="straightConnector1">
-            <a:avLst/>
-          </a:prstGeom>
-          <a:ln w="82550">
-            <a:solidFill>
-              <a:srgbClr val="002060"/>
-            </a:solidFill>
-            <a:tailEnd type="triangle"/>
-          </a:ln>
-        </p:spPr>
-        <p:style>
-          <a:lnRef idx="1">
-            <a:schemeClr val="accent1"/>
-          </a:lnRef>
-          <a:fillRef idx="0">
-            <a:schemeClr val="accent1"/>
-          </a:fillRef>
-          <a:effectRef idx="0">
-            <a:schemeClr val="accent1"/>
-          </a:effectRef>
-          <a:fontRef idx="minor">
-            <a:schemeClr val="tx1"/>
-          </a:fontRef>
-        </p:style>
-      </p:cxnSp>
-      <p:sp>
-        <p:nvSpPr>
-          <p:cNvPr id="16" name="TextBox 15">
-            <a:extLst>
-              <a:ext uri="{FF2B5EF4-FFF2-40B4-BE49-F238E27FC236}">
-                <a16:creationId xmlns:a16="http://schemas.microsoft.com/office/drawing/2014/main" id="{FDAE0119-0665-D04C-A79D-B941C6138429}"/>
-              </a:ext>
-            </a:extLst>
-          </p:cNvPr>
-          <p:cNvSpPr txBox="1"/>
-          <p:nvPr/>
-        </p:nvSpPr>
-        <p:spPr>
-          <a:xfrm>
-            <a:off x="9949213" y="5261431"/>
-            <a:ext cx="1757363" cy="369332"/>
-          </a:xfrm>
-          <a:prstGeom prst="rect">
-            <a:avLst/>
-          </a:prstGeom>
-          <a:noFill/>
-        </p:spPr>
-        <p:txBody>
-          <a:bodyPr wrap="square" rtlCol="0">
-            <a:spAutoFit/>
-          </a:bodyPr>
-          <a:lstStyle/>
-          <a:p>
-            <a:r>
-              <a:rPr lang="en-US" dirty="0"/>
-              <a:t>Update</a:t>
-            </a:r>
-          </a:p>
-        </p:txBody>
-      </p:sp>
-      <p:cxnSp>
-        <p:nvCxnSpPr>
-          <p:cNvPr id="17" name="Straight Arrow Connector 16">
-            <a:extLst>
-              <a:ext uri="{FF2B5EF4-FFF2-40B4-BE49-F238E27FC236}">
-                <a16:creationId xmlns:a16="http://schemas.microsoft.com/office/drawing/2014/main" id="{FA57EEF1-778C-8D4A-BD51-64FA5DF08D8E}"/>
-              </a:ext>
-            </a:extLst>
-          </p:cNvPr>
-          <p:cNvCxnSpPr/>
-          <p:nvPr/>
-        </p:nvCxnSpPr>
-        <p:spPr>
-          <a:xfrm flipH="1">
-            <a:off x="7665709" y="4894325"/>
-            <a:ext cx="1496291" cy="0"/>
-          </a:xfrm>
-          <a:prstGeom prst="straightConnector1">
-            <a:avLst/>
-          </a:prstGeom>
-          <a:ln w="82550">
-            <a:solidFill>
-              <a:schemeClr val="accent2">
-                <a:lumMod val="75000"/>
-              </a:schemeClr>
-            </a:solidFill>
-            <a:tailEnd type="triangle"/>
-          </a:ln>
-        </p:spPr>
-        <p:style>
-          <a:lnRef idx="1">
-            <a:schemeClr val="accent1"/>
-          </a:lnRef>
-          <a:fillRef idx="0">
-            <a:schemeClr val="accent1"/>
-          </a:fillRef>
-          <a:effectRef idx="0">
-            <a:schemeClr val="accent1"/>
-          </a:effectRef>
-          <a:fontRef idx="minor">
-            <a:schemeClr val="tx1"/>
-          </a:fontRef>
-        </p:style>
-      </p:cxnSp>
-      <p:sp>
-        <p:nvSpPr>
-          <p:cNvPr id="18" name="TextBox 17">
-            <a:extLst>
-              <a:ext uri="{FF2B5EF4-FFF2-40B4-BE49-F238E27FC236}">
-                <a16:creationId xmlns:a16="http://schemas.microsoft.com/office/drawing/2014/main" id="{9CC3C205-B017-7A48-B502-879956442CEE}"/>
-              </a:ext>
-            </a:extLst>
-          </p:cNvPr>
-          <p:cNvSpPr txBox="1"/>
-          <p:nvPr/>
-        </p:nvSpPr>
-        <p:spPr>
-          <a:xfrm>
-            <a:off x="9477509" y="4714012"/>
-            <a:ext cx="1757363" cy="369332"/>
-          </a:xfrm>
-          <a:prstGeom prst="rect">
-            <a:avLst/>
-          </a:prstGeom>
-          <a:noFill/>
-        </p:spPr>
-        <p:txBody>
-          <a:bodyPr wrap="square" rtlCol="0">
-            <a:spAutoFit/>
-          </a:bodyPr>
-          <a:lstStyle/>
-          <a:p>
-            <a:r>
-              <a:rPr lang="en-US" dirty="0"/>
-              <a:t>Delete</a:t>
-            </a:r>
-          </a:p>
-        </p:txBody>
-      </p:sp>
-      <p:sp>
-        <p:nvSpPr>
-          <p:cNvPr id="19" name="Right Brace 18">
-            <a:extLst>
-              <a:ext uri="{FF2B5EF4-FFF2-40B4-BE49-F238E27FC236}">
-                <a16:creationId xmlns:a16="http://schemas.microsoft.com/office/drawing/2014/main" id="{5D4BB7D1-FE2A-4244-965A-6720F3A31B8E}"/>
-              </a:ext>
-            </a:extLst>
-          </p:cNvPr>
-          <p:cNvSpPr/>
-          <p:nvPr/>
-        </p:nvSpPr>
-        <p:spPr>
-          <a:xfrm>
-            <a:off x="8437197" y="3001254"/>
-            <a:ext cx="383676" cy="771525"/>
-          </a:xfrm>
-          <a:prstGeom prst="rightBrace">
-            <a:avLst/>
-          </a:prstGeom>
-          <a:ln w="69850">
-            <a:solidFill>
-              <a:srgbClr val="FF0000"/>
-            </a:solidFill>
-          </a:ln>
-        </p:spPr>
-        <p:style>
-          <a:lnRef idx="1">
-            <a:schemeClr val="accent1"/>
-          </a:lnRef>
-          <a:fillRef idx="0">
-            <a:schemeClr val="accent1"/>
-          </a:fillRef>
-          <a:effectRef idx="0">
-            <a:schemeClr val="accent1"/>
-          </a:effectRef>
-          <a:fontRef idx="minor">
-            <a:schemeClr val="tx1"/>
-          </a:fontRef>
-        </p:style>
-        <p:txBody>
-          <a:bodyPr rtlCol="0" anchor="ctr"/>
-          <a:lstStyle/>
-          <a:p>
-            <a:pPr algn="ctr"/>
-            <a:endParaRPr lang="en-US"/>
+              <a:t>Resource class of all endpoints</a:t>
+            </a:r>
           </a:p>
         </p:txBody>
       </p:sp>
     </p:spTree>
     <p:extLst>
       <p:ext uri="{BB962C8B-B14F-4D97-AF65-F5344CB8AC3E}">
-        <p14:creationId xmlns:p14="http://schemas.microsoft.com/office/powerpoint/2010/main" val="2813755183"/>
+        <p14:creationId xmlns:p14="http://schemas.microsoft.com/office/powerpoint/2010/main" val="3736399573"/>
       </p:ext>
     </p:extLst>
   </p:cSld>
@@ -6214,23 +7474,30 @@
         <p:spPr/>
         <p:txBody>
           <a:bodyPr>
-            <a:normAutofit/>
+            <a:normAutofit fontScale="90000"/>
           </a:bodyPr>
           <a:lstStyle/>
           <a:p>
             <a:r>
               <a:rPr lang="en-US" dirty="0"/>
-              <a:t>Self-defined Exceptions</a:t>
+              <a:t>Resource class (Endpoints)</a:t>
+            </a:r>
+            <a:br>
+              <a:rPr lang="en-US" dirty="0"/>
+            </a:br>
+            <a:r>
+              <a:rPr lang="en-US" dirty="0"/>
+              <a:t>- Just call according methods in Repository Object</a:t>
             </a:r>
           </a:p>
         </p:txBody>
       </p:sp>
       <p:pic>
         <p:nvPicPr>
-          <p:cNvPr id="4" name="Content Placeholder 3">
-            <a:extLst>
-              <a:ext uri="{FF2B5EF4-FFF2-40B4-BE49-F238E27FC236}">
-                <a16:creationId xmlns:a16="http://schemas.microsoft.com/office/drawing/2014/main" id="{E56B449C-AA6A-3D48-AA29-3AA157F95E4B}"/>
+          <p:cNvPr id="23" name="Content Placeholder 22">
+            <a:extLst>
+              <a:ext uri="{FF2B5EF4-FFF2-40B4-BE49-F238E27FC236}">
+                <a16:creationId xmlns:a16="http://schemas.microsoft.com/office/drawing/2014/main" id="{6D717140-EEAD-ED4B-A62D-34A92B02B4B6}"/>
               </a:ext>
             </a:extLst>
           </p:cNvPr>
@@ -6249,262 +7516,36 @@
         </p:blipFill>
         <p:spPr>
           <a:xfrm>
-            <a:off x="838200" y="1736210"/>
-            <a:ext cx="7894966" cy="4515798"/>
+            <a:off x="318226" y="1690688"/>
+            <a:ext cx="6303804" cy="5020499"/>
           </a:xfrm>
         </p:spPr>
       </p:pic>
-      <p:sp>
-        <p:nvSpPr>
-          <p:cNvPr id="7" name="Frame 6">
-            <a:extLst>
-              <a:ext uri="{FF2B5EF4-FFF2-40B4-BE49-F238E27FC236}">
-                <a16:creationId xmlns:a16="http://schemas.microsoft.com/office/drawing/2014/main" id="{033BAEAF-9FC2-0C46-9E46-4D0B5F782529}"/>
-              </a:ext>
-            </a:extLst>
-          </p:cNvPr>
-          <p:cNvSpPr/>
+      <p:cxnSp>
+        <p:nvCxnSpPr>
+          <p:cNvPr id="6" name="Straight Arrow Connector 5">
+            <a:extLst>
+              <a:ext uri="{FF2B5EF4-FFF2-40B4-BE49-F238E27FC236}">
+                <a16:creationId xmlns:a16="http://schemas.microsoft.com/office/drawing/2014/main" id="{1355E8F6-8268-9B49-852C-89EC242FC37B}"/>
+              </a:ext>
+            </a:extLst>
+          </p:cNvPr>
+          <p:cNvCxnSpPr>
+            <a:cxnSpLocks/>
+          </p:cNvCxnSpPr>
           <p:nvPr/>
-        </p:nvSpPr>
-        <p:spPr>
-          <a:xfrm>
-            <a:off x="5438898" y="3526971"/>
-            <a:ext cx="2351315" cy="403761"/>
-          </a:xfrm>
-          <a:prstGeom prst="frame">
+        </p:nvCxnSpPr>
+        <p:spPr>
+          <a:xfrm flipH="1">
+            <a:off x="2272019" y="2439781"/>
+            <a:ext cx="1198109" cy="0"/>
+          </a:xfrm>
+          <a:prstGeom prst="straightConnector1">
             <a:avLst/>
           </a:prstGeom>
-          <a:ln w="0">
-            <a:solidFill>
-              <a:schemeClr val="accent1">
-                <a:shade val="50000"/>
-              </a:schemeClr>
-            </a:solidFill>
+          <a:ln w="82550">
+            <a:tailEnd type="triangle"/>
           </a:ln>
-        </p:spPr>
-        <p:style>
-          <a:lnRef idx="2">
-            <a:schemeClr val="accent1">
-              <a:shade val="50000"/>
-            </a:schemeClr>
-          </a:lnRef>
-          <a:fillRef idx="1">
-            <a:schemeClr val="accent1"/>
-          </a:fillRef>
-          <a:effectRef idx="0">
-            <a:schemeClr val="accent1"/>
-          </a:effectRef>
-          <a:fontRef idx="minor">
-            <a:schemeClr val="lt1"/>
-          </a:fontRef>
-        </p:style>
-        <p:txBody>
-          <a:bodyPr rtlCol="0" anchor="ctr"/>
-          <a:lstStyle/>
-          <a:p>
-            <a:pPr algn="ctr"/>
-            <a:endParaRPr lang="en-US" dirty="0">
-              <a:solidFill>
-                <a:schemeClr val="tx1"/>
-              </a:solidFill>
-            </a:endParaRPr>
-          </a:p>
-        </p:txBody>
-      </p:sp>
-      <p:sp>
-        <p:nvSpPr>
-          <p:cNvPr id="20" name="Frame 19">
-            <a:extLst>
-              <a:ext uri="{FF2B5EF4-FFF2-40B4-BE49-F238E27FC236}">
-                <a16:creationId xmlns:a16="http://schemas.microsoft.com/office/drawing/2014/main" id="{68CE810F-2BC5-754E-AA67-C53E3DBD6097}"/>
-              </a:ext>
-            </a:extLst>
-          </p:cNvPr>
-          <p:cNvSpPr/>
-          <p:nvPr/>
-        </p:nvSpPr>
-        <p:spPr>
-          <a:xfrm>
-            <a:off x="4593771" y="4130634"/>
-            <a:ext cx="2351315" cy="403761"/>
-          </a:xfrm>
-          <a:prstGeom prst="frame">
-            <a:avLst/>
-          </a:prstGeom>
-          <a:ln w="0">
-            <a:solidFill>
-              <a:schemeClr val="accent1">
-                <a:shade val="50000"/>
-              </a:schemeClr>
-            </a:solidFill>
-          </a:ln>
-        </p:spPr>
-        <p:style>
-          <a:lnRef idx="2">
-            <a:schemeClr val="accent1">
-              <a:shade val="50000"/>
-            </a:schemeClr>
-          </a:lnRef>
-          <a:fillRef idx="1">
-            <a:schemeClr val="accent1"/>
-          </a:fillRef>
-          <a:effectRef idx="0">
-            <a:schemeClr val="accent1"/>
-          </a:effectRef>
-          <a:fontRef idx="minor">
-            <a:schemeClr val="lt1"/>
-          </a:fontRef>
-        </p:style>
-        <p:txBody>
-          <a:bodyPr rtlCol="0" anchor="ctr"/>
-          <a:lstStyle/>
-          <a:p>
-            <a:pPr algn="ctr"/>
-            <a:endParaRPr lang="en-US" dirty="0">
-              <a:solidFill>
-                <a:schemeClr val="tx1"/>
-              </a:solidFill>
-            </a:endParaRPr>
-          </a:p>
-        </p:txBody>
-      </p:sp>
-      <p:sp>
-        <p:nvSpPr>
-          <p:cNvPr id="21" name="Frame 20">
-            <a:extLst>
-              <a:ext uri="{FF2B5EF4-FFF2-40B4-BE49-F238E27FC236}">
-                <a16:creationId xmlns:a16="http://schemas.microsoft.com/office/drawing/2014/main" id="{21DF5687-712D-8D4D-B223-C3F04132F8AE}"/>
-              </a:ext>
-            </a:extLst>
-          </p:cNvPr>
-          <p:cNvSpPr/>
-          <p:nvPr/>
-        </p:nvSpPr>
-        <p:spPr>
-          <a:xfrm>
-            <a:off x="4593770" y="4692383"/>
-            <a:ext cx="2351315" cy="403761"/>
-          </a:xfrm>
-          <a:prstGeom prst="frame">
-            <a:avLst/>
-          </a:prstGeom>
-          <a:ln w="0">
-            <a:solidFill>
-              <a:schemeClr val="accent1">
-                <a:shade val="50000"/>
-              </a:schemeClr>
-            </a:solidFill>
-          </a:ln>
-        </p:spPr>
-        <p:style>
-          <a:lnRef idx="2">
-            <a:schemeClr val="accent1">
-              <a:shade val="50000"/>
-            </a:schemeClr>
-          </a:lnRef>
-          <a:fillRef idx="1">
-            <a:schemeClr val="accent1"/>
-          </a:fillRef>
-          <a:effectRef idx="0">
-            <a:schemeClr val="accent1"/>
-          </a:effectRef>
-          <a:fontRef idx="minor">
-            <a:schemeClr val="lt1"/>
-          </a:fontRef>
-        </p:style>
-        <p:txBody>
-          <a:bodyPr rtlCol="0" anchor="ctr"/>
-          <a:lstStyle/>
-          <a:p>
-            <a:pPr algn="ctr"/>
-            <a:endParaRPr lang="en-US" dirty="0">
-              <a:solidFill>
-                <a:schemeClr val="tx1"/>
-              </a:solidFill>
-            </a:endParaRPr>
-          </a:p>
-        </p:txBody>
-      </p:sp>
-      <p:sp>
-        <p:nvSpPr>
-          <p:cNvPr id="22" name="Frame 21">
-            <a:extLst>
-              <a:ext uri="{FF2B5EF4-FFF2-40B4-BE49-F238E27FC236}">
-                <a16:creationId xmlns:a16="http://schemas.microsoft.com/office/drawing/2014/main" id="{6DA20FDE-0FDC-594B-ADCB-F1C700C839ED}"/>
-              </a:ext>
-            </a:extLst>
-          </p:cNvPr>
-          <p:cNvSpPr/>
-          <p:nvPr/>
-        </p:nvSpPr>
-        <p:spPr>
-          <a:xfrm>
-            <a:off x="5199412" y="5212278"/>
-            <a:ext cx="2351315" cy="403761"/>
-          </a:xfrm>
-          <a:prstGeom prst="frame">
-            <a:avLst/>
-          </a:prstGeom>
-          <a:ln w="0">
-            <a:solidFill>
-              <a:schemeClr val="accent1">
-                <a:shade val="50000"/>
-              </a:schemeClr>
-            </a:solidFill>
-          </a:ln>
-        </p:spPr>
-        <p:style>
-          <a:lnRef idx="2">
-            <a:schemeClr val="accent1">
-              <a:shade val="50000"/>
-            </a:schemeClr>
-          </a:lnRef>
-          <a:fillRef idx="1">
-            <a:schemeClr val="accent1"/>
-          </a:fillRef>
-          <a:effectRef idx="0">
-            <a:schemeClr val="accent1"/>
-          </a:effectRef>
-          <a:fontRef idx="minor">
-            <a:schemeClr val="lt1"/>
-          </a:fontRef>
-        </p:style>
-        <p:txBody>
-          <a:bodyPr rtlCol="0" anchor="ctr"/>
-          <a:lstStyle/>
-          <a:p>
-            <a:pPr algn="ctr"/>
-            <a:endParaRPr lang="en-US" dirty="0">
-              <a:solidFill>
-                <a:schemeClr val="tx1"/>
-              </a:solidFill>
-            </a:endParaRPr>
-          </a:p>
-        </p:txBody>
-      </p:sp>
-      <p:sp>
-        <p:nvSpPr>
-          <p:cNvPr id="8" name="Right Brace 7">
-            <a:extLst>
-              <a:ext uri="{FF2B5EF4-FFF2-40B4-BE49-F238E27FC236}">
-                <a16:creationId xmlns:a16="http://schemas.microsoft.com/office/drawing/2014/main" id="{9B358EA0-AA13-A242-BB8A-14F85C57C2C4}"/>
-              </a:ext>
-            </a:extLst>
-          </p:cNvPr>
-          <p:cNvSpPr/>
-          <p:nvPr/>
-        </p:nvSpPr>
-        <p:spPr>
-          <a:xfrm>
-            <a:off x="8214188" y="3691741"/>
-            <a:ext cx="657945" cy="1685307"/>
-          </a:xfrm>
-          <a:prstGeom prst="rightBrace">
-            <a:avLst>
-              <a:gd name="adj1" fmla="val 8333"/>
-              <a:gd name="adj2" fmla="val 47886"/>
-            </a:avLst>
-          </a:prstGeom>
         </p:spPr>
         <p:style>
           <a:lnRef idx="1">
@@ -6520,21 +7561,13 @@
             <a:schemeClr val="tx1"/>
           </a:fontRef>
         </p:style>
-        <p:txBody>
-          <a:bodyPr rtlCol="0" anchor="ctr"/>
-          <a:lstStyle/>
-          <a:p>
-            <a:pPr algn="ctr"/>
-            <a:endParaRPr lang="en-US"/>
-          </a:p>
-        </p:txBody>
-      </p:sp>
-      <p:sp>
-        <p:nvSpPr>
-          <p:cNvPr id="10" name="TextBox 9">
-            <a:extLst>
-              <a:ext uri="{FF2B5EF4-FFF2-40B4-BE49-F238E27FC236}">
-                <a16:creationId xmlns:a16="http://schemas.microsoft.com/office/drawing/2014/main" id="{2E3290A6-A8AD-3143-B46D-A7455F0E0F60}"/>
+      </p:cxnSp>
+      <p:sp>
+        <p:nvSpPr>
+          <p:cNvPr id="9" name="TextBox 8">
+            <a:extLst>
+              <a:ext uri="{FF2B5EF4-FFF2-40B4-BE49-F238E27FC236}">
+                <a16:creationId xmlns:a16="http://schemas.microsoft.com/office/drawing/2014/main" id="{D371A9D0-C5C3-6541-9ABC-1986A0D45BC2}"/>
               </a:ext>
             </a:extLst>
           </p:cNvPr>
@@ -6543,8 +7576,8 @@
         </p:nvSpPr>
         <p:spPr>
           <a:xfrm>
-            <a:off x="8872133" y="3994109"/>
-            <a:ext cx="2481667" cy="923330"/>
+            <a:off x="3662604" y="2243442"/>
+            <a:ext cx="2766950" cy="369332"/>
           </a:xfrm>
           <a:prstGeom prst="rect">
             <a:avLst/>
@@ -6558,8 +7591,370 @@
           <a:lstStyle/>
           <a:p>
             <a:r>
+              <a:rPr lang="en-US" dirty="0">
+                <a:solidFill>
+                  <a:srgbClr val="FF0000"/>
+                </a:solidFill>
+              </a:rPr>
+              <a:t>Singleton Repository object </a:t>
+            </a:r>
+          </a:p>
+        </p:txBody>
+      </p:sp>
+      <p:cxnSp>
+        <p:nvCxnSpPr>
+          <p:cNvPr id="11" name="Straight Arrow Connector 10">
+            <a:extLst>
+              <a:ext uri="{FF2B5EF4-FFF2-40B4-BE49-F238E27FC236}">
+                <a16:creationId xmlns:a16="http://schemas.microsoft.com/office/drawing/2014/main" id="{B6E79FEA-9186-3F4F-A8C4-628297076D32}"/>
+              </a:ext>
+            </a:extLst>
+          </p:cNvPr>
+          <p:cNvCxnSpPr/>
+          <p:nvPr/>
+        </p:nvCxnSpPr>
+        <p:spPr>
+          <a:xfrm flipH="1">
+            <a:off x="5911164" y="4765255"/>
+            <a:ext cx="1496291" cy="0"/>
+          </a:xfrm>
+          <a:prstGeom prst="straightConnector1">
+            <a:avLst/>
+          </a:prstGeom>
+          <a:ln w="82550">
+            <a:tailEnd type="triangle"/>
+          </a:ln>
+        </p:spPr>
+        <p:style>
+          <a:lnRef idx="1">
+            <a:schemeClr val="accent1"/>
+          </a:lnRef>
+          <a:fillRef idx="0">
+            <a:schemeClr val="accent1"/>
+          </a:fillRef>
+          <a:effectRef idx="0">
+            <a:schemeClr val="accent1"/>
+          </a:effectRef>
+          <a:fontRef idx="minor">
+            <a:schemeClr val="tx1"/>
+          </a:fontRef>
+        </p:style>
+      </p:cxnSp>
+      <p:cxnSp>
+        <p:nvCxnSpPr>
+          <p:cNvPr id="13" name="Straight Arrow Connector 12">
+            <a:extLst>
+              <a:ext uri="{FF2B5EF4-FFF2-40B4-BE49-F238E27FC236}">
+                <a16:creationId xmlns:a16="http://schemas.microsoft.com/office/drawing/2014/main" id="{AE606AE0-7D00-FB44-BE69-F7CDD1BE6F4C}"/>
+              </a:ext>
+            </a:extLst>
+          </p:cNvPr>
+          <p:cNvCxnSpPr>
+            <a:cxnSpLocks/>
+          </p:cNvCxnSpPr>
+          <p:nvPr/>
+        </p:nvCxnSpPr>
+        <p:spPr>
+          <a:xfrm flipH="1">
+            <a:off x="7308341" y="3571681"/>
+            <a:ext cx="1089312" cy="0"/>
+          </a:xfrm>
+          <a:prstGeom prst="straightConnector1">
+            <a:avLst/>
+          </a:prstGeom>
+          <a:ln w="82550">
+            <a:solidFill>
+              <a:srgbClr val="FF0000"/>
+            </a:solidFill>
+            <a:tailEnd type="triangle"/>
+          </a:ln>
+        </p:spPr>
+        <p:style>
+          <a:lnRef idx="1">
+            <a:schemeClr val="accent1"/>
+          </a:lnRef>
+          <a:fillRef idx="0">
+            <a:schemeClr val="accent1"/>
+          </a:fillRef>
+          <a:effectRef idx="0">
+            <a:schemeClr val="accent1"/>
+          </a:effectRef>
+          <a:fontRef idx="minor">
+            <a:schemeClr val="tx1"/>
+          </a:fontRef>
+        </p:style>
+      </p:cxnSp>
+      <p:cxnSp>
+        <p:nvCxnSpPr>
+          <p:cNvPr id="15" name="Straight Arrow Connector 14">
+            <a:extLst>
+              <a:ext uri="{FF2B5EF4-FFF2-40B4-BE49-F238E27FC236}">
+                <a16:creationId xmlns:a16="http://schemas.microsoft.com/office/drawing/2014/main" id="{E647A0E1-8216-FF4A-B7BF-DDAD97D8EE74}"/>
+              </a:ext>
+            </a:extLst>
+          </p:cNvPr>
+          <p:cNvCxnSpPr/>
+          <p:nvPr/>
+        </p:nvCxnSpPr>
+        <p:spPr>
+          <a:xfrm flipH="1">
+            <a:off x="6429554" y="6467375"/>
+            <a:ext cx="1496291" cy="0"/>
+          </a:xfrm>
+          <a:prstGeom prst="straightConnector1">
+            <a:avLst/>
+          </a:prstGeom>
+          <a:ln w="82550">
+            <a:solidFill>
+              <a:srgbClr val="002060"/>
+            </a:solidFill>
+            <a:tailEnd type="triangle"/>
+          </a:ln>
+        </p:spPr>
+        <p:style>
+          <a:lnRef idx="1">
+            <a:schemeClr val="accent1"/>
+          </a:lnRef>
+          <a:fillRef idx="0">
+            <a:schemeClr val="accent1"/>
+          </a:fillRef>
+          <a:effectRef idx="0">
+            <a:schemeClr val="accent1"/>
+          </a:effectRef>
+          <a:fontRef idx="minor">
+            <a:schemeClr val="tx1"/>
+          </a:fontRef>
+        </p:style>
+      </p:cxnSp>
+      <p:cxnSp>
+        <p:nvCxnSpPr>
+          <p:cNvPr id="17" name="Straight Arrow Connector 16">
+            <a:extLst>
+              <a:ext uri="{FF2B5EF4-FFF2-40B4-BE49-F238E27FC236}">
+                <a16:creationId xmlns:a16="http://schemas.microsoft.com/office/drawing/2014/main" id="{FA57EEF1-778C-8D4A-BD51-64FA5DF08D8E}"/>
+              </a:ext>
+            </a:extLst>
+          </p:cNvPr>
+          <p:cNvCxnSpPr/>
+          <p:nvPr/>
+        </p:nvCxnSpPr>
+        <p:spPr>
+          <a:xfrm flipH="1">
+            <a:off x="5873884" y="5494246"/>
+            <a:ext cx="1496291" cy="0"/>
+          </a:xfrm>
+          <a:prstGeom prst="straightConnector1">
+            <a:avLst/>
+          </a:prstGeom>
+          <a:ln w="82550">
+            <a:solidFill>
+              <a:schemeClr val="accent2">
+                <a:lumMod val="75000"/>
+              </a:schemeClr>
+            </a:solidFill>
+            <a:tailEnd type="triangle"/>
+          </a:ln>
+        </p:spPr>
+        <p:style>
+          <a:lnRef idx="1">
+            <a:schemeClr val="accent1"/>
+          </a:lnRef>
+          <a:fillRef idx="0">
+            <a:schemeClr val="accent1"/>
+          </a:fillRef>
+          <a:effectRef idx="0">
+            <a:schemeClr val="accent1"/>
+          </a:effectRef>
+          <a:fontRef idx="minor">
+            <a:schemeClr val="tx1"/>
+          </a:fontRef>
+        </p:style>
+      </p:cxnSp>
+      <p:sp>
+        <p:nvSpPr>
+          <p:cNvPr id="19" name="Right Brace 18">
+            <a:extLst>
+              <a:ext uri="{FF2B5EF4-FFF2-40B4-BE49-F238E27FC236}">
+                <a16:creationId xmlns:a16="http://schemas.microsoft.com/office/drawing/2014/main" id="{5D4BB7D1-FE2A-4244-965A-6720F3A31B8E}"/>
+              </a:ext>
+            </a:extLst>
+          </p:cNvPr>
+          <p:cNvSpPr/>
+          <p:nvPr/>
+        </p:nvSpPr>
+        <p:spPr>
+          <a:xfrm>
+            <a:off x="6764820" y="3185919"/>
+            <a:ext cx="383676" cy="771525"/>
+          </a:xfrm>
+          <a:prstGeom prst="rightBrace">
+            <a:avLst/>
+          </a:prstGeom>
+          <a:ln w="69850">
+            <a:solidFill>
+              <a:srgbClr val="FF0000"/>
+            </a:solidFill>
+          </a:ln>
+        </p:spPr>
+        <p:style>
+          <a:lnRef idx="1">
+            <a:schemeClr val="accent1"/>
+          </a:lnRef>
+          <a:fillRef idx="0">
+            <a:schemeClr val="accent1"/>
+          </a:fillRef>
+          <a:effectRef idx="0">
+            <a:schemeClr val="accent1"/>
+          </a:effectRef>
+          <a:fontRef idx="minor">
+            <a:schemeClr val="tx1"/>
+          </a:fontRef>
+        </p:style>
+        <p:txBody>
+          <a:bodyPr rtlCol="0" anchor="ctr"/>
+          <a:lstStyle/>
+          <a:p>
+            <a:pPr algn="ctr"/>
+            <a:endParaRPr lang="en-US"/>
+          </a:p>
+        </p:txBody>
+      </p:sp>
+      <p:sp>
+        <p:nvSpPr>
+          <p:cNvPr id="12" name="TextBox 11">
+            <a:extLst>
+              <a:ext uri="{FF2B5EF4-FFF2-40B4-BE49-F238E27FC236}">
+                <a16:creationId xmlns:a16="http://schemas.microsoft.com/office/drawing/2014/main" id="{FBFE7477-7235-CA42-99AF-74109134B976}"/>
+              </a:ext>
+            </a:extLst>
+          </p:cNvPr>
+          <p:cNvSpPr txBox="1"/>
+          <p:nvPr/>
+        </p:nvSpPr>
+        <p:spPr>
+          <a:xfrm>
+            <a:off x="7574240" y="4574798"/>
+            <a:ext cx="1757363" cy="369332"/>
+          </a:xfrm>
+          <a:prstGeom prst="rect">
+            <a:avLst/>
+          </a:prstGeom>
+          <a:noFill/>
+        </p:spPr>
+        <p:txBody>
+          <a:bodyPr wrap="square" rtlCol="0">
+            <a:spAutoFit/>
+          </a:bodyPr>
+          <a:lstStyle/>
+          <a:p>
+            <a:r>
               <a:rPr lang="en-US" dirty="0"/>
-              <a:t>These endpoints will throw a self-defined exceptions</a:t>
+              <a:t>Create</a:t>
+            </a:r>
+          </a:p>
+        </p:txBody>
+      </p:sp>
+      <p:sp>
+        <p:nvSpPr>
+          <p:cNvPr id="16" name="TextBox 15">
+            <a:extLst>
+              <a:ext uri="{FF2B5EF4-FFF2-40B4-BE49-F238E27FC236}">
+                <a16:creationId xmlns:a16="http://schemas.microsoft.com/office/drawing/2014/main" id="{FDAE0119-0665-D04C-A79D-B941C6138429}"/>
+              </a:ext>
+            </a:extLst>
+          </p:cNvPr>
+          <p:cNvSpPr txBox="1"/>
+          <p:nvPr/>
+        </p:nvSpPr>
+        <p:spPr>
+          <a:xfrm>
+            <a:off x="8109233" y="6290324"/>
+            <a:ext cx="1757363" cy="369332"/>
+          </a:xfrm>
+          <a:prstGeom prst="rect">
+            <a:avLst/>
+          </a:prstGeom>
+          <a:noFill/>
+        </p:spPr>
+        <p:txBody>
+          <a:bodyPr wrap="square" rtlCol="0">
+            <a:spAutoFit/>
+          </a:bodyPr>
+          <a:lstStyle/>
+          <a:p>
+            <a:r>
+              <a:rPr lang="en-US" dirty="0"/>
+              <a:t>Update</a:t>
+            </a:r>
+          </a:p>
+        </p:txBody>
+      </p:sp>
+      <p:sp>
+        <p:nvSpPr>
+          <p:cNvPr id="18" name="TextBox 17">
+            <a:extLst>
+              <a:ext uri="{FF2B5EF4-FFF2-40B4-BE49-F238E27FC236}">
+                <a16:creationId xmlns:a16="http://schemas.microsoft.com/office/drawing/2014/main" id="{9CC3C205-B017-7A48-B502-879956442CEE}"/>
+              </a:ext>
+            </a:extLst>
+          </p:cNvPr>
+          <p:cNvSpPr txBox="1"/>
+          <p:nvPr/>
+        </p:nvSpPr>
+        <p:spPr>
+          <a:xfrm>
+            <a:off x="7560180" y="5309580"/>
+            <a:ext cx="1757363" cy="369332"/>
+          </a:xfrm>
+          <a:prstGeom prst="rect">
+            <a:avLst/>
+          </a:prstGeom>
+          <a:noFill/>
+        </p:spPr>
+        <p:txBody>
+          <a:bodyPr wrap="square" rtlCol="0">
+            <a:spAutoFit/>
+          </a:bodyPr>
+          <a:lstStyle/>
+          <a:p>
+            <a:r>
+              <a:rPr lang="en-US" dirty="0"/>
+              <a:t>Delete</a:t>
+            </a:r>
+          </a:p>
+        </p:txBody>
+      </p:sp>
+      <p:sp>
+        <p:nvSpPr>
+          <p:cNvPr id="14" name="TextBox 13">
+            <a:extLst>
+              <a:ext uri="{FF2B5EF4-FFF2-40B4-BE49-F238E27FC236}">
+                <a16:creationId xmlns:a16="http://schemas.microsoft.com/office/drawing/2014/main" id="{D530A8D7-8945-5449-9327-5091718C1FB4}"/>
+              </a:ext>
+            </a:extLst>
+          </p:cNvPr>
+          <p:cNvSpPr txBox="1"/>
+          <p:nvPr/>
+        </p:nvSpPr>
+        <p:spPr>
+          <a:xfrm>
+            <a:off x="8646318" y="3372519"/>
+            <a:ext cx="1757363" cy="369332"/>
+          </a:xfrm>
+          <a:prstGeom prst="rect">
+            <a:avLst/>
+          </a:prstGeom>
+          <a:noFill/>
+        </p:spPr>
+        <p:txBody>
+          <a:bodyPr wrap="square" rtlCol="0">
+            <a:spAutoFit/>
+          </a:bodyPr>
+          <a:lstStyle/>
+          <a:p>
+            <a:r>
+              <a:rPr lang="en-US" dirty="0"/>
+              <a:t>Read</a:t>
             </a:r>
           </a:p>
         </p:txBody>
@@ -6567,7 +7962,7 @@
     </p:spTree>
     <p:extLst>
       <p:ext uri="{BB962C8B-B14F-4D97-AF65-F5344CB8AC3E}">
-        <p14:creationId xmlns:p14="http://schemas.microsoft.com/office/powerpoint/2010/main" val="3344056539"/>
+        <p14:creationId xmlns:p14="http://schemas.microsoft.com/office/powerpoint/2010/main" val="2813755183"/>
       </p:ext>
     </p:extLst>
   </p:cSld>
@@ -6596,38 +7991,67 @@
       </p:grpSpPr>
       <p:sp>
         <p:nvSpPr>
-          <p:cNvPr id="2" name="Title 1">
-            <a:extLst>
-              <a:ext uri="{FF2B5EF4-FFF2-40B4-BE49-F238E27FC236}">
-                <a16:creationId xmlns:a16="http://schemas.microsoft.com/office/drawing/2014/main" id="{9CF0515E-97D2-CB45-A84F-C8E39F1CCD86}"/>
-              </a:ext>
-            </a:extLst>
-          </p:cNvPr>
-          <p:cNvSpPr>
-            <a:spLocks noGrp="1"/>
-          </p:cNvSpPr>
-          <p:nvPr>
-            <p:ph type="title"/>
-          </p:nvPr>
-        </p:nvSpPr>
-        <p:spPr/>
-        <p:txBody>
-          <a:bodyPr/>
-          <a:lstStyle/>
-          <a:p>
-            <a:r>
-              <a:rPr lang="en-US" dirty="0"/>
-              <a:t>Exception Manager</a:t>
-            </a:r>
+          <p:cNvPr id="7" name="Frame 6">
+            <a:extLst>
+              <a:ext uri="{FF2B5EF4-FFF2-40B4-BE49-F238E27FC236}">
+                <a16:creationId xmlns:a16="http://schemas.microsoft.com/office/drawing/2014/main" id="{033BAEAF-9FC2-0C46-9E46-4D0B5F782529}"/>
+              </a:ext>
+            </a:extLst>
+          </p:cNvPr>
+          <p:cNvSpPr/>
+          <p:nvPr/>
+        </p:nvSpPr>
+        <p:spPr>
+          <a:xfrm>
+            <a:off x="5438898" y="3526971"/>
+            <a:ext cx="2351315" cy="403761"/>
+          </a:xfrm>
+          <a:prstGeom prst="frame">
+            <a:avLst/>
+          </a:prstGeom>
+          <a:ln w="0">
+            <a:solidFill>
+              <a:schemeClr val="accent1">
+                <a:shade val="50000"/>
+              </a:schemeClr>
+            </a:solidFill>
+          </a:ln>
+        </p:spPr>
+        <p:style>
+          <a:lnRef idx="2">
+            <a:schemeClr val="accent1">
+              <a:shade val="50000"/>
+            </a:schemeClr>
+          </a:lnRef>
+          <a:fillRef idx="1">
+            <a:schemeClr val="accent1"/>
+          </a:fillRef>
+          <a:effectRef idx="0">
+            <a:schemeClr val="accent1"/>
+          </a:effectRef>
+          <a:fontRef idx="minor">
+            <a:schemeClr val="lt1"/>
+          </a:fontRef>
+        </p:style>
+        <p:txBody>
+          <a:bodyPr rtlCol="0" anchor="ctr"/>
+          <a:lstStyle/>
+          <a:p>
+            <a:pPr algn="ctr"/>
+            <a:endParaRPr lang="en-US" dirty="0">
+              <a:solidFill>
+                <a:schemeClr val="tx1"/>
+              </a:solidFill>
+            </a:endParaRPr>
           </a:p>
         </p:txBody>
       </p:sp>
       <p:pic>
         <p:nvPicPr>
-          <p:cNvPr id="5" name="Content Placeholder 4">
-            <a:extLst>
-              <a:ext uri="{FF2B5EF4-FFF2-40B4-BE49-F238E27FC236}">
-                <a16:creationId xmlns:a16="http://schemas.microsoft.com/office/drawing/2014/main" id="{2783B21F-3BB2-C947-8A1F-F83C17B4DBCE}"/>
+          <p:cNvPr id="9" name="Content Placeholder 8">
+            <a:extLst>
+              <a:ext uri="{FF2B5EF4-FFF2-40B4-BE49-F238E27FC236}">
+                <a16:creationId xmlns:a16="http://schemas.microsoft.com/office/drawing/2014/main" id="{8D75FCB8-2CBC-D54B-B2DF-40EC65AA2B80}"/>
               </a:ext>
             </a:extLst>
           </p:cNvPr>
@@ -6646,33 +8070,209 @@
         </p:blipFill>
         <p:spPr>
           <a:xfrm>
-            <a:off x="838200" y="1529000"/>
-            <a:ext cx="7594600" cy="1714500"/>
+            <a:off x="355021" y="1954965"/>
+            <a:ext cx="8275621" cy="4351338"/>
           </a:xfrm>
         </p:spPr>
       </p:pic>
-      <p:cxnSp>
-        <p:nvCxnSpPr>
-          <p:cNvPr id="9" name="Straight Arrow Connector 8">
-            <a:extLst>
-              <a:ext uri="{FF2B5EF4-FFF2-40B4-BE49-F238E27FC236}">
-                <a16:creationId xmlns:a16="http://schemas.microsoft.com/office/drawing/2014/main" id="{65F1F70F-E5C0-F841-8F05-D2CC2912E7BC}"/>
-              </a:ext>
-            </a:extLst>
-          </p:cNvPr>
-          <p:cNvCxnSpPr/>
+      <p:sp>
+        <p:nvSpPr>
+          <p:cNvPr id="20" name="Frame 19">
+            <a:extLst>
+              <a:ext uri="{FF2B5EF4-FFF2-40B4-BE49-F238E27FC236}">
+                <a16:creationId xmlns:a16="http://schemas.microsoft.com/office/drawing/2014/main" id="{68CE810F-2BC5-754E-AA67-C53E3DBD6097}"/>
+              </a:ext>
+            </a:extLst>
+          </p:cNvPr>
+          <p:cNvSpPr/>
           <p:nvPr/>
-        </p:nvCxnSpPr>
-        <p:spPr>
-          <a:xfrm flipH="1">
-            <a:off x="8550234" y="2386250"/>
-            <a:ext cx="1686296" cy="0"/>
-          </a:xfrm>
-          <a:prstGeom prst="straightConnector1">
+        </p:nvSpPr>
+        <p:spPr>
+          <a:xfrm>
+            <a:off x="5522027" y="3907796"/>
+            <a:ext cx="2561810" cy="403761"/>
+          </a:xfrm>
+          <a:prstGeom prst="frame">
             <a:avLst/>
           </a:prstGeom>
-          <a:ln w="82550">
-            <a:tailEnd type="triangle"/>
+          <a:ln w="0">
+            <a:solidFill>
+              <a:schemeClr val="accent1">
+                <a:shade val="50000"/>
+              </a:schemeClr>
+            </a:solidFill>
+          </a:ln>
+        </p:spPr>
+        <p:style>
+          <a:lnRef idx="2">
+            <a:schemeClr val="accent1">
+              <a:shade val="50000"/>
+            </a:schemeClr>
+          </a:lnRef>
+          <a:fillRef idx="1">
+            <a:schemeClr val="accent1"/>
+          </a:fillRef>
+          <a:effectRef idx="0">
+            <a:schemeClr val="accent1"/>
+          </a:effectRef>
+          <a:fontRef idx="minor">
+            <a:schemeClr val="lt1"/>
+          </a:fontRef>
+        </p:style>
+        <p:txBody>
+          <a:bodyPr rtlCol="0" anchor="ctr"/>
+          <a:lstStyle/>
+          <a:p>
+            <a:pPr algn="ctr"/>
+            <a:endParaRPr lang="en-US" dirty="0">
+              <a:solidFill>
+                <a:schemeClr val="tx1"/>
+              </a:solidFill>
+            </a:endParaRPr>
+          </a:p>
+        </p:txBody>
+      </p:sp>
+      <p:sp>
+        <p:nvSpPr>
+          <p:cNvPr id="21" name="Frame 20">
+            <a:extLst>
+              <a:ext uri="{FF2B5EF4-FFF2-40B4-BE49-F238E27FC236}">
+                <a16:creationId xmlns:a16="http://schemas.microsoft.com/office/drawing/2014/main" id="{21DF5687-712D-8D4D-B223-C3F04132F8AE}"/>
+              </a:ext>
+            </a:extLst>
+          </p:cNvPr>
+          <p:cNvSpPr/>
+          <p:nvPr/>
+        </p:nvSpPr>
+        <p:spPr>
+          <a:xfrm>
+            <a:off x="4595751" y="4615947"/>
+            <a:ext cx="2571417" cy="332053"/>
+          </a:xfrm>
+          <a:prstGeom prst="frame">
+            <a:avLst/>
+          </a:prstGeom>
+          <a:ln w="0">
+            <a:solidFill>
+              <a:schemeClr val="accent1">
+                <a:shade val="50000"/>
+              </a:schemeClr>
+            </a:solidFill>
+          </a:ln>
+        </p:spPr>
+        <p:style>
+          <a:lnRef idx="2">
+            <a:schemeClr val="accent1">
+              <a:shade val="50000"/>
+            </a:schemeClr>
+          </a:lnRef>
+          <a:fillRef idx="1">
+            <a:schemeClr val="accent1"/>
+          </a:fillRef>
+          <a:effectRef idx="0">
+            <a:schemeClr val="accent1"/>
+          </a:effectRef>
+          <a:fontRef idx="minor">
+            <a:schemeClr val="lt1"/>
+          </a:fontRef>
+        </p:style>
+        <p:txBody>
+          <a:bodyPr rtlCol="0" anchor="ctr"/>
+          <a:lstStyle/>
+          <a:p>
+            <a:pPr algn="ctr"/>
+            <a:endParaRPr lang="en-US" dirty="0">
+              <a:solidFill>
+                <a:schemeClr val="tx1"/>
+              </a:solidFill>
+            </a:endParaRPr>
+          </a:p>
+        </p:txBody>
+      </p:sp>
+      <p:sp>
+        <p:nvSpPr>
+          <p:cNvPr id="22" name="Frame 21">
+            <a:extLst>
+              <a:ext uri="{FF2B5EF4-FFF2-40B4-BE49-F238E27FC236}">
+                <a16:creationId xmlns:a16="http://schemas.microsoft.com/office/drawing/2014/main" id="{6DA20FDE-0FDC-594B-ADCB-F1C700C839ED}"/>
+              </a:ext>
+            </a:extLst>
+          </p:cNvPr>
+          <p:cNvSpPr/>
+          <p:nvPr/>
+        </p:nvSpPr>
+        <p:spPr>
+          <a:xfrm>
+            <a:off x="4595752" y="5212278"/>
+            <a:ext cx="2571416" cy="403761"/>
+          </a:xfrm>
+          <a:prstGeom prst="frame">
+            <a:avLst/>
+          </a:prstGeom>
+          <a:ln w="0">
+            <a:solidFill>
+              <a:schemeClr val="accent1">
+                <a:shade val="50000"/>
+              </a:schemeClr>
+            </a:solidFill>
+          </a:ln>
+        </p:spPr>
+        <p:style>
+          <a:lnRef idx="2">
+            <a:schemeClr val="accent1">
+              <a:shade val="50000"/>
+            </a:schemeClr>
+          </a:lnRef>
+          <a:fillRef idx="1">
+            <a:schemeClr val="accent1"/>
+          </a:fillRef>
+          <a:effectRef idx="0">
+            <a:schemeClr val="accent1"/>
+          </a:effectRef>
+          <a:fontRef idx="minor">
+            <a:schemeClr val="lt1"/>
+          </a:fontRef>
+        </p:style>
+        <p:txBody>
+          <a:bodyPr rtlCol="0" anchor="ctr"/>
+          <a:lstStyle/>
+          <a:p>
+            <a:pPr algn="ctr"/>
+            <a:endParaRPr lang="en-US" dirty="0">
+              <a:solidFill>
+                <a:schemeClr val="tx1"/>
+              </a:solidFill>
+            </a:endParaRPr>
+          </a:p>
+        </p:txBody>
+      </p:sp>
+      <p:sp>
+        <p:nvSpPr>
+          <p:cNvPr id="8" name="Right Brace 7">
+            <a:extLst>
+              <a:ext uri="{FF2B5EF4-FFF2-40B4-BE49-F238E27FC236}">
+                <a16:creationId xmlns:a16="http://schemas.microsoft.com/office/drawing/2014/main" id="{9B358EA0-AA13-A242-BB8A-14F85C57C2C4}"/>
+              </a:ext>
+            </a:extLst>
+          </p:cNvPr>
+          <p:cNvSpPr/>
+          <p:nvPr/>
+        </p:nvSpPr>
+        <p:spPr>
+          <a:xfrm>
+            <a:off x="8379426" y="3994109"/>
+            <a:ext cx="445485" cy="2121683"/>
+          </a:xfrm>
+          <a:prstGeom prst="rightBrace">
+            <a:avLst>
+              <a:gd name="adj1" fmla="val 8333"/>
+              <a:gd name="adj2" fmla="val 49005"/>
+            </a:avLst>
+          </a:prstGeom>
+          <a:ln w="57150">
+            <a:solidFill>
+              <a:srgbClr val="FF0000"/>
+            </a:solidFill>
           </a:ln>
         </p:spPr>
         <p:style>
@@ -6689,82 +8289,21 @@
             <a:schemeClr val="tx1"/>
           </a:fontRef>
         </p:style>
-      </p:cxnSp>
-      <p:pic>
-        <p:nvPicPr>
-          <p:cNvPr id="11" name="Picture 10">
-            <a:extLst>
-              <a:ext uri="{FF2B5EF4-FFF2-40B4-BE49-F238E27FC236}">
-                <a16:creationId xmlns:a16="http://schemas.microsoft.com/office/drawing/2014/main" id="{07A5A4A9-D1B4-AD45-AB5D-69A4BCF9E55E}"/>
-              </a:ext>
-            </a:extLst>
-          </p:cNvPr>
-          <p:cNvPicPr>
-            <a:picLocks noChangeAspect="1"/>
-          </p:cNvPicPr>
-          <p:nvPr/>
-        </p:nvPicPr>
-        <p:blipFill>
-          <a:blip r:embed="rId3"/>
-          <a:stretch>
-            <a:fillRect/>
-          </a:stretch>
-        </p:blipFill>
-        <p:spPr>
-          <a:xfrm>
-            <a:off x="838200" y="4407375"/>
-            <a:ext cx="8839200" cy="1727200"/>
-          </a:xfrm>
-          <a:prstGeom prst="rect">
-            <a:avLst/>
-          </a:prstGeom>
-        </p:spPr>
-      </p:pic>
-      <p:cxnSp>
-        <p:nvCxnSpPr>
-          <p:cNvPr id="12" name="Straight Arrow Connector 11">
-            <a:extLst>
-              <a:ext uri="{FF2B5EF4-FFF2-40B4-BE49-F238E27FC236}">
-                <a16:creationId xmlns:a16="http://schemas.microsoft.com/office/drawing/2014/main" id="{F2C775D4-7AAF-D547-A11D-664706FDA64E}"/>
-              </a:ext>
-            </a:extLst>
-          </p:cNvPr>
-          <p:cNvCxnSpPr/>
-          <p:nvPr/>
-        </p:nvCxnSpPr>
-        <p:spPr>
-          <a:xfrm flipH="1">
-            <a:off x="9667504" y="5270975"/>
-            <a:ext cx="1686296" cy="0"/>
-          </a:xfrm>
-          <a:prstGeom prst="straightConnector1">
-            <a:avLst/>
-          </a:prstGeom>
-          <a:ln w="82550">
-            <a:tailEnd type="triangle"/>
-          </a:ln>
-        </p:spPr>
-        <p:style>
-          <a:lnRef idx="1">
-            <a:schemeClr val="accent1"/>
-          </a:lnRef>
-          <a:fillRef idx="0">
-            <a:schemeClr val="accent1"/>
-          </a:fillRef>
-          <a:effectRef idx="0">
-            <a:schemeClr val="accent1"/>
-          </a:effectRef>
-          <a:fontRef idx="minor">
-            <a:schemeClr val="tx1"/>
-          </a:fontRef>
-        </p:style>
-      </p:cxnSp>
-      <p:sp>
-        <p:nvSpPr>
-          <p:cNvPr id="13" name="TextBox 12">
-            <a:extLst>
-              <a:ext uri="{FF2B5EF4-FFF2-40B4-BE49-F238E27FC236}">
-                <a16:creationId xmlns:a16="http://schemas.microsoft.com/office/drawing/2014/main" id="{336AA1CC-9DE7-9D4C-B998-EEB5BAAA9FA5}"/>
+        <p:txBody>
+          <a:bodyPr rtlCol="0" anchor="ctr"/>
+          <a:lstStyle/>
+          <a:p>
+            <a:pPr algn="ctr"/>
+            <a:endParaRPr lang="en-US"/>
+          </a:p>
+        </p:txBody>
+      </p:sp>
+      <p:sp>
+        <p:nvSpPr>
+          <p:cNvPr id="10" name="TextBox 9">
+            <a:extLst>
+              <a:ext uri="{FF2B5EF4-FFF2-40B4-BE49-F238E27FC236}">
+                <a16:creationId xmlns:a16="http://schemas.microsoft.com/office/drawing/2014/main" id="{2E3290A6-A8AD-3143-B46D-A7455F0E0F60}"/>
               </a:ext>
             </a:extLst>
           </p:cNvPr>
@@ -6773,8 +8312,8 @@
         </p:nvSpPr>
         <p:spPr>
           <a:xfrm>
-            <a:off x="10236530" y="1971304"/>
-            <a:ext cx="1805049" cy="646331"/>
+            <a:off x="8926231" y="4304823"/>
+            <a:ext cx="2481667" cy="923330"/>
           </a:xfrm>
           <a:prstGeom prst="rect">
             <a:avLst/>
@@ -6789,234 +8328,116 @@
           <a:p>
             <a:r>
               <a:rPr lang="en-US" dirty="0"/>
-              <a:t>Define this Exception</a:t>
-            </a:r>
-          </a:p>
-        </p:txBody>
-      </p:sp>
-      <p:sp>
-        <p:nvSpPr>
-          <p:cNvPr id="14" name="TextBox 13">
-            <a:extLst>
-              <a:ext uri="{FF2B5EF4-FFF2-40B4-BE49-F238E27FC236}">
-                <a16:creationId xmlns:a16="http://schemas.microsoft.com/office/drawing/2014/main" id="{9EF9F842-F88F-9C41-8B74-B3D486119761}"/>
-              </a:ext>
-            </a:extLst>
-          </p:cNvPr>
-          <p:cNvSpPr txBox="1"/>
+              <a:t>These endpoints will throw a </a:t>
+            </a:r>
+            <a:r>
+              <a:rPr lang="en-US" dirty="0" err="1"/>
+              <a:t>TickerNotValidException</a:t>
+            </a:r>
+            <a:r>
+              <a:rPr lang="en-US" dirty="0"/>
+              <a:t> </a:t>
+            </a:r>
+          </a:p>
+        </p:txBody>
+      </p:sp>
+      <p:sp>
+        <p:nvSpPr>
+          <p:cNvPr id="2" name="Title 1">
+            <a:extLst>
+              <a:ext uri="{FF2B5EF4-FFF2-40B4-BE49-F238E27FC236}">
+                <a16:creationId xmlns:a16="http://schemas.microsoft.com/office/drawing/2014/main" id="{993D3158-ACB9-B04D-A6B4-0BA44C1F9C3C}"/>
+              </a:ext>
+            </a:extLst>
+          </p:cNvPr>
+          <p:cNvSpPr>
+            <a:spLocks noGrp="1"/>
+          </p:cNvSpPr>
+          <p:nvPr>
+            <p:ph type="title"/>
+          </p:nvPr>
+        </p:nvSpPr>
+        <p:spPr/>
+        <p:txBody>
+          <a:bodyPr>
+            <a:normAutofit/>
+          </a:bodyPr>
+          <a:lstStyle/>
+          <a:p>
+            <a:r>
+              <a:rPr lang="en-US" dirty="0"/>
+              <a:t>Self-defined Exceptions</a:t>
+            </a:r>
+          </a:p>
+        </p:txBody>
+      </p:sp>
+      <p:sp>
+        <p:nvSpPr>
+          <p:cNvPr id="14" name="Frame 13">
+            <a:extLst>
+              <a:ext uri="{FF2B5EF4-FFF2-40B4-BE49-F238E27FC236}">
+                <a16:creationId xmlns:a16="http://schemas.microsoft.com/office/drawing/2014/main" id="{E987D998-5597-5E4C-A624-135E26319AB1}"/>
+              </a:ext>
+            </a:extLst>
+          </p:cNvPr>
+          <p:cNvSpPr/>
           <p:nvPr/>
         </p:nvSpPr>
         <p:spPr>
           <a:xfrm>
-            <a:off x="10331532" y="4120738"/>
-            <a:ext cx="1543793" cy="923330"/>
-          </a:xfrm>
-          <a:prstGeom prst="rect">
+            <a:off x="5328847" y="5759290"/>
+            <a:ext cx="2571416" cy="403761"/>
+          </a:xfrm>
+          <a:prstGeom prst="frame">
             <a:avLst/>
           </a:prstGeom>
-          <a:noFill/>
-        </p:spPr>
-        <p:txBody>
-          <a:bodyPr wrap="square" rtlCol="0">
-            <a:spAutoFit/>
-          </a:bodyPr>
-          <a:lstStyle/>
-          <a:p>
-            <a:r>
-              <a:rPr lang="en-US" dirty="0"/>
-              <a:t>Define the exception manager</a:t>
-            </a:r>
+          <a:ln w="0">
+            <a:solidFill>
+              <a:schemeClr val="accent1">
+                <a:shade val="50000"/>
+              </a:schemeClr>
+            </a:solidFill>
+          </a:ln>
+        </p:spPr>
+        <p:style>
+          <a:lnRef idx="2">
+            <a:schemeClr val="accent1">
+              <a:shade val="50000"/>
+            </a:schemeClr>
+          </a:lnRef>
+          <a:fillRef idx="1">
+            <a:schemeClr val="accent1"/>
+          </a:fillRef>
+          <a:effectRef idx="0">
+            <a:schemeClr val="accent1"/>
+          </a:effectRef>
+          <a:fontRef idx="minor">
+            <a:schemeClr val="lt1"/>
+          </a:fontRef>
+        </p:style>
+        <p:txBody>
+          <a:bodyPr rtlCol="0" anchor="ctr"/>
+          <a:lstStyle/>
+          <a:p>
+            <a:pPr algn="ctr"/>
+            <a:endParaRPr lang="en-US" dirty="0">
+              <a:solidFill>
+                <a:schemeClr val="tx1"/>
+              </a:solidFill>
+            </a:endParaRPr>
           </a:p>
         </p:txBody>
       </p:sp>
     </p:spTree>
     <p:extLst>
       <p:ext uri="{BB962C8B-B14F-4D97-AF65-F5344CB8AC3E}">
-        <p14:creationId xmlns:p14="http://schemas.microsoft.com/office/powerpoint/2010/main" val="2085870135"/>
+        <p14:creationId xmlns:p14="http://schemas.microsoft.com/office/powerpoint/2010/main" val="3344056539"/>
       </p:ext>
     </p:extLst>
   </p:cSld>
   <p:clrMapOvr>
     <a:masterClrMapping/>
   </p:clrMapOvr>
-  <p:timing>
-    <p:tnLst>
-      <p:par>
-        <p:cTn id="1" dur="indefinite" restart="never" nodeType="tmRoot">
-          <p:childTnLst>
-            <p:seq concurrent="1" nextAc="seek">
-              <p:cTn id="2" dur="indefinite" nodeType="mainSeq">
-                <p:childTnLst>
-                  <p:par>
-                    <p:cTn id="3" fill="hold">
-                      <p:stCondLst>
-                        <p:cond delay="indefinite"/>
-                      </p:stCondLst>
-                      <p:childTnLst>
-                        <p:par>
-                          <p:cTn id="4" fill="hold">
-                            <p:stCondLst>
-                              <p:cond delay="0"/>
-                            </p:stCondLst>
-                            <p:childTnLst>
-                              <p:par>
-                                <p:cTn id="5" presetID="1" presetClass="entr" presetSubtype="0" fill="hold" grpId="0" nodeType="clickEffect">
-                                  <p:stCondLst>
-                                    <p:cond delay="0"/>
-                                  </p:stCondLst>
-                                  <p:childTnLst>
-                                    <p:set>
-                                      <p:cBhvr>
-                                        <p:cTn id="6" dur="1" fill="hold">
-                                          <p:stCondLst>
-                                            <p:cond delay="0"/>
-                                          </p:stCondLst>
-                                        </p:cTn>
-                                        <p:tgtEl>
-                                          <p:spTgt spid="13"/>
-                                        </p:tgtEl>
-                                        <p:attrNameLst>
-                                          <p:attrName>style.visibility</p:attrName>
-                                        </p:attrNameLst>
-                                      </p:cBhvr>
-                                      <p:to>
-                                        <p:strVal val="visible"/>
-                                      </p:to>
-                                    </p:set>
-                                  </p:childTnLst>
-                                </p:cTn>
-                              </p:par>
-                              <p:par>
-                                <p:cTn id="7" presetID="1" presetClass="entr" presetSubtype="0" fill="hold" nodeType="withEffect">
-                                  <p:stCondLst>
-                                    <p:cond delay="0"/>
-                                  </p:stCondLst>
-                                  <p:childTnLst>
-                                    <p:set>
-                                      <p:cBhvr>
-                                        <p:cTn id="8" dur="1" fill="hold">
-                                          <p:stCondLst>
-                                            <p:cond delay="0"/>
-                                          </p:stCondLst>
-                                        </p:cTn>
-                                        <p:tgtEl>
-                                          <p:spTgt spid="9"/>
-                                        </p:tgtEl>
-                                        <p:attrNameLst>
-                                          <p:attrName>style.visibility</p:attrName>
-                                        </p:attrNameLst>
-                                      </p:cBhvr>
-                                      <p:to>
-                                        <p:strVal val="visible"/>
-                                      </p:to>
-                                    </p:set>
-                                  </p:childTnLst>
-                                </p:cTn>
-                              </p:par>
-                            </p:childTnLst>
-                          </p:cTn>
-                        </p:par>
-                      </p:childTnLst>
-                    </p:cTn>
-                  </p:par>
-                  <p:par>
-                    <p:cTn id="9" fill="hold">
-                      <p:stCondLst>
-                        <p:cond delay="indefinite"/>
-                      </p:stCondLst>
-                      <p:childTnLst>
-                        <p:par>
-                          <p:cTn id="10" fill="hold">
-                            <p:stCondLst>
-                              <p:cond delay="0"/>
-                            </p:stCondLst>
-                            <p:childTnLst>
-                              <p:par>
-                                <p:cTn id="11" presetID="1" presetClass="entr" presetSubtype="0" fill="hold" grpId="0" nodeType="clickEffect">
-                                  <p:stCondLst>
-                                    <p:cond delay="0"/>
-                                  </p:stCondLst>
-                                  <p:childTnLst>
-                                    <p:set>
-                                      <p:cBhvr>
-                                        <p:cTn id="12" dur="1" fill="hold">
-                                          <p:stCondLst>
-                                            <p:cond delay="0"/>
-                                          </p:stCondLst>
-                                        </p:cTn>
-                                        <p:tgtEl>
-                                          <p:spTgt spid="14"/>
-                                        </p:tgtEl>
-                                        <p:attrNameLst>
-                                          <p:attrName>style.visibility</p:attrName>
-                                        </p:attrNameLst>
-                                      </p:cBhvr>
-                                      <p:to>
-                                        <p:strVal val="visible"/>
-                                      </p:to>
-                                    </p:set>
-                                  </p:childTnLst>
-                                </p:cTn>
-                              </p:par>
-                              <p:par>
-                                <p:cTn id="13" presetID="1" presetClass="entr" presetSubtype="0" fill="hold" nodeType="withEffect">
-                                  <p:stCondLst>
-                                    <p:cond delay="0"/>
-                                  </p:stCondLst>
-                                  <p:childTnLst>
-                                    <p:set>
-                                      <p:cBhvr>
-                                        <p:cTn id="14" dur="1" fill="hold">
-                                          <p:stCondLst>
-                                            <p:cond delay="0"/>
-                                          </p:stCondLst>
-                                        </p:cTn>
-                                        <p:tgtEl>
-                                          <p:spTgt spid="12"/>
-                                        </p:tgtEl>
-                                        <p:attrNameLst>
-                                          <p:attrName>style.visibility</p:attrName>
-                                        </p:attrNameLst>
-                                      </p:cBhvr>
-                                      <p:to>
-                                        <p:strVal val="visible"/>
-                                      </p:to>
-                                    </p:set>
-                                  </p:childTnLst>
-                                </p:cTn>
-                              </p:par>
-                            </p:childTnLst>
-                          </p:cTn>
-                        </p:par>
-                      </p:childTnLst>
-                    </p:cTn>
-                  </p:par>
-                </p:childTnLst>
-              </p:cTn>
-              <p:prevCondLst>
-                <p:cond evt="onPrev" delay="0">
-                  <p:tgtEl>
-                    <p:sldTgt/>
-                  </p:tgtEl>
-                </p:cond>
-              </p:prevCondLst>
-              <p:nextCondLst>
-                <p:cond evt="onNext" delay="0">
-                  <p:tgtEl>
-                    <p:sldTgt/>
-                  </p:tgtEl>
-                </p:cond>
-              </p:nextCondLst>
-            </p:seq>
-          </p:childTnLst>
-        </p:cTn>
-      </p:par>
-    </p:tnLst>
-    <p:bldLst>
-      <p:bldP spid="13" grpId="0"/>
-      <p:bldP spid="14" grpId="0"/>
-    </p:bldLst>
-  </p:timing>
 </p:sld>
 </file>
 
@@ -7039,10 +8460,10 @@
       </p:grpSpPr>
       <p:sp>
         <p:nvSpPr>
-          <p:cNvPr id="2" name="Title 1">
-            <a:extLst>
-              <a:ext uri="{FF2B5EF4-FFF2-40B4-BE49-F238E27FC236}">
-                <a16:creationId xmlns:a16="http://schemas.microsoft.com/office/drawing/2014/main" id="{63B04E2A-F680-EF45-A58F-FAD11DEAA654}"/>
+          <p:cNvPr id="6" name="Title 5">
+            <a:extLst>
+              <a:ext uri="{FF2B5EF4-FFF2-40B4-BE49-F238E27FC236}">
+                <a16:creationId xmlns:a16="http://schemas.microsoft.com/office/drawing/2014/main" id="{AE8233C0-5894-C845-BFAD-B1AF2B5931C5}"/>
               </a:ext>
             </a:extLst>
           </p:cNvPr>
@@ -7060,26 +8481,24 @@
           <a:p>
             <a:r>
               <a:rPr lang="en-US" dirty="0"/>
-              <a:t>JSON Entity &amp; Bean Validation </a:t>
+              <a:t>Exceptions</a:t>
             </a:r>
           </a:p>
         </p:txBody>
       </p:sp>
       <p:pic>
         <p:nvPicPr>
-          <p:cNvPr id="5" name="Content Placeholder 4">
-            <a:extLst>
-              <a:ext uri="{FF2B5EF4-FFF2-40B4-BE49-F238E27FC236}">
-                <a16:creationId xmlns:a16="http://schemas.microsoft.com/office/drawing/2014/main" id="{F21B13F0-6CBB-8C4B-84A6-80F7ECA82108}"/>
+          <p:cNvPr id="15" name="Picture 14">
+            <a:extLst>
+              <a:ext uri="{FF2B5EF4-FFF2-40B4-BE49-F238E27FC236}">
+                <a16:creationId xmlns:a16="http://schemas.microsoft.com/office/drawing/2014/main" id="{BD85BA61-D924-3F49-B51D-D4EFE6A3B940}"/>
               </a:ext>
             </a:extLst>
           </p:cNvPr>
           <p:cNvPicPr>
-            <a:picLocks noGrp="1" noChangeAspect="1"/>
+            <a:picLocks noChangeAspect="1"/>
           </p:cNvPicPr>
-          <p:nvPr>
-            <p:ph idx="1"/>
-          </p:nvPr>
+          <p:nvPr/>
         </p:nvPicPr>
         <p:blipFill>
           <a:blip r:embed="rId2"/>
@@ -7089,142 +8508,37 @@
         </p:blipFill>
         <p:spPr>
           <a:xfrm>
-            <a:off x="1021855" y="1690688"/>
-            <a:ext cx="6423973" cy="4721233"/>
-          </a:xfrm>
-        </p:spPr>
-      </p:pic>
-      <p:pic>
-        <p:nvPicPr>
-          <p:cNvPr id="7" name="Picture 6">
-            <a:extLst>
-              <a:ext uri="{FF2B5EF4-FFF2-40B4-BE49-F238E27FC236}">
-                <a16:creationId xmlns:a16="http://schemas.microsoft.com/office/drawing/2014/main" id="{5993D1CB-C7E9-0343-8AFE-8EC8017D36FC}"/>
-              </a:ext>
-            </a:extLst>
-          </p:cNvPr>
-          <p:cNvPicPr>
-            <a:picLocks noChangeAspect="1"/>
-          </p:cNvPicPr>
-          <p:nvPr/>
-        </p:nvPicPr>
-        <p:blipFill>
-          <a:blip r:embed="rId3"/>
-          <a:stretch>
-            <a:fillRect/>
-          </a:stretch>
-        </p:blipFill>
-        <p:spPr>
-          <a:xfrm>
-            <a:off x="8312398" y="4727802"/>
-            <a:ext cx="2946400" cy="1143000"/>
+            <a:off x="838200" y="1925863"/>
+            <a:ext cx="5487851" cy="3429907"/>
           </a:xfrm>
           <a:prstGeom prst="rect">
             <a:avLst/>
           </a:prstGeom>
         </p:spPr>
       </p:pic>
-      <p:sp>
-        <p:nvSpPr>
-          <p:cNvPr id="8" name="Right Brace 7">
-            <a:extLst>
-              <a:ext uri="{FF2B5EF4-FFF2-40B4-BE49-F238E27FC236}">
-                <a16:creationId xmlns:a16="http://schemas.microsoft.com/office/drawing/2014/main" id="{78382A14-15E6-254A-932A-50ED02101ECC}"/>
-              </a:ext>
-            </a:extLst>
-          </p:cNvPr>
-          <p:cNvSpPr/>
-          <p:nvPr/>
-        </p:nvSpPr>
-        <p:spPr>
-          <a:xfrm>
-            <a:off x="7415727" y="2220686"/>
-            <a:ext cx="427512" cy="1377537"/>
-          </a:xfrm>
-          <a:prstGeom prst="rightBrace">
-            <a:avLst/>
-          </a:prstGeom>
-          <a:ln w="69850"/>
-        </p:spPr>
-        <p:style>
-          <a:lnRef idx="1">
-            <a:schemeClr val="accent1"/>
-          </a:lnRef>
-          <a:fillRef idx="0">
-            <a:schemeClr val="accent1"/>
-          </a:fillRef>
-          <a:effectRef idx="0">
-            <a:schemeClr val="accent1"/>
-          </a:effectRef>
-          <a:fontRef idx="minor">
-            <a:schemeClr val="tx1"/>
-          </a:fontRef>
-        </p:style>
-        <p:txBody>
-          <a:bodyPr rtlCol="0" anchor="ctr"/>
-          <a:lstStyle/>
-          <a:p>
-            <a:pPr algn="ctr"/>
-            <a:endParaRPr lang="en-US"/>
-          </a:p>
-        </p:txBody>
-      </p:sp>
-      <p:sp>
-        <p:nvSpPr>
-          <p:cNvPr id="9" name="TextBox 8">
-            <a:extLst>
-              <a:ext uri="{FF2B5EF4-FFF2-40B4-BE49-F238E27FC236}">
-                <a16:creationId xmlns:a16="http://schemas.microsoft.com/office/drawing/2014/main" id="{3AC7A187-AE9B-1741-9AE3-F0B9622DDFDA}"/>
-              </a:ext>
-            </a:extLst>
-          </p:cNvPr>
-          <p:cNvSpPr txBox="1"/>
-          <p:nvPr/>
-        </p:nvSpPr>
-        <p:spPr>
-          <a:xfrm>
-            <a:off x="8051470" y="2220686"/>
-            <a:ext cx="3207328" cy="923330"/>
-          </a:xfrm>
-          <a:prstGeom prst="rect">
-            <a:avLst/>
-          </a:prstGeom>
-          <a:noFill/>
-        </p:spPr>
-        <p:txBody>
-          <a:bodyPr wrap="square" rtlCol="0">
-            <a:spAutoFit/>
-          </a:bodyPr>
-          <a:lstStyle/>
-          <a:p>
-            <a:r>
-              <a:rPr lang="en-US" dirty="0"/>
-              <a:t>We will convert information in JSON structure (Request body) into this three fields.</a:t>
-            </a:r>
-          </a:p>
-        </p:txBody>
-      </p:sp>
       <p:cxnSp>
         <p:nvCxnSpPr>
-          <p:cNvPr id="11" name="Straight Arrow Connector 10">
-            <a:extLst>
-              <a:ext uri="{FF2B5EF4-FFF2-40B4-BE49-F238E27FC236}">
-                <a16:creationId xmlns:a16="http://schemas.microsoft.com/office/drawing/2014/main" id="{6E253406-A39B-8A4F-9639-7FD61841E4FF}"/>
-              </a:ext>
-            </a:extLst>
-          </p:cNvPr>
-          <p:cNvCxnSpPr/>
+          <p:cNvPr id="19" name="Straight Arrow Connector 18">
+            <a:extLst>
+              <a:ext uri="{FF2B5EF4-FFF2-40B4-BE49-F238E27FC236}">
+                <a16:creationId xmlns:a16="http://schemas.microsoft.com/office/drawing/2014/main" id="{CED6FD87-0273-8948-AF9E-B00F331830B9}"/>
+              </a:ext>
+            </a:extLst>
+          </p:cNvPr>
+          <p:cNvCxnSpPr>
+            <a:cxnSpLocks/>
+          </p:cNvCxnSpPr>
           <p:nvPr/>
         </p:nvCxnSpPr>
         <p:spPr>
           <a:xfrm flipH="1">
-            <a:off x="2850078" y="1900052"/>
-            <a:ext cx="724395" cy="415636"/>
+            <a:off x="6388926" y="2695699"/>
+            <a:ext cx="1413162" cy="0"/>
           </a:xfrm>
           <a:prstGeom prst="straightConnector1">
             <a:avLst/>
           </a:prstGeom>
-          <a:ln>
+          <a:ln w="82550">
             <a:tailEnd type="triangle"/>
           </a:ln>
         </p:spPr>
@@ -7245,10 +8559,10 @@
       </p:cxnSp>
       <p:sp>
         <p:nvSpPr>
-          <p:cNvPr id="12" name="TextBox 11">
-            <a:extLst>
-              <a:ext uri="{FF2B5EF4-FFF2-40B4-BE49-F238E27FC236}">
-                <a16:creationId xmlns:a16="http://schemas.microsoft.com/office/drawing/2014/main" id="{3B282EAF-C8C9-6F40-BF26-CDF857A8C6CE}"/>
+          <p:cNvPr id="25" name="TextBox 24">
+            <a:extLst>
+              <a:ext uri="{FF2B5EF4-FFF2-40B4-BE49-F238E27FC236}">
+                <a16:creationId xmlns:a16="http://schemas.microsoft.com/office/drawing/2014/main" id="{656E4B05-A477-C44B-8DD7-BF5F57B3C761}"/>
               </a:ext>
             </a:extLst>
           </p:cNvPr>
@@ -7257,8 +8571,8 @@
         </p:nvSpPr>
         <p:spPr>
           <a:xfrm>
-            <a:off x="3574473" y="1669357"/>
-            <a:ext cx="1983179" cy="646331"/>
+            <a:off x="7885216" y="2372533"/>
+            <a:ext cx="3468584" cy="646331"/>
           </a:xfrm>
           <a:prstGeom prst="rect">
             <a:avLst/>
@@ -7272,90 +8586,8 @@
           <a:lstStyle/>
           <a:p>
             <a:r>
-              <a:rPr lang="en-US" dirty="0">
-                <a:solidFill>
-                  <a:srgbClr val="FF0000"/>
-                </a:solidFill>
-              </a:rPr>
-              <a:t>The share must be a positive number</a:t>
-            </a:r>
-          </a:p>
-        </p:txBody>
-      </p:sp>
-      <p:cxnSp>
-        <p:nvCxnSpPr>
-          <p:cNvPr id="14" name="Straight Arrow Connector 13">
-            <a:extLst>
-              <a:ext uri="{FF2B5EF4-FFF2-40B4-BE49-F238E27FC236}">
-                <a16:creationId xmlns:a16="http://schemas.microsoft.com/office/drawing/2014/main" id="{FAF41874-B177-AB42-A1D8-11F979002D3D}"/>
-              </a:ext>
-            </a:extLst>
-          </p:cNvPr>
-          <p:cNvCxnSpPr/>
-          <p:nvPr/>
-        </p:nvCxnSpPr>
-        <p:spPr>
-          <a:xfrm flipH="1" flipV="1">
-            <a:off x="4233841" y="3144016"/>
-            <a:ext cx="332221" cy="252327"/>
-          </a:xfrm>
-          <a:prstGeom prst="straightConnector1">
-            <a:avLst/>
-          </a:prstGeom>
-          <a:ln>
-            <a:tailEnd type="triangle"/>
-          </a:ln>
-        </p:spPr>
-        <p:style>
-          <a:lnRef idx="1">
-            <a:schemeClr val="accent1"/>
-          </a:lnRef>
-          <a:fillRef idx="0">
-            <a:schemeClr val="accent1"/>
-          </a:fillRef>
-          <a:effectRef idx="0">
-            <a:schemeClr val="accent1"/>
-          </a:effectRef>
-          <a:fontRef idx="minor">
-            <a:schemeClr val="tx1"/>
-          </a:fontRef>
-        </p:style>
-      </p:cxnSp>
-      <p:sp>
-        <p:nvSpPr>
-          <p:cNvPr id="15" name="TextBox 14">
-            <a:extLst>
-              <a:ext uri="{FF2B5EF4-FFF2-40B4-BE49-F238E27FC236}">
-                <a16:creationId xmlns:a16="http://schemas.microsoft.com/office/drawing/2014/main" id="{ADD0EBCD-4BD4-E14C-A38C-503903492C99}"/>
-              </a:ext>
-            </a:extLst>
-          </p:cNvPr>
-          <p:cNvSpPr txBox="1"/>
-          <p:nvPr/>
-        </p:nvSpPr>
-        <p:spPr>
-          <a:xfrm>
-            <a:off x="4542065" y="3270179"/>
-            <a:ext cx="2665431" cy="646331"/>
-          </a:xfrm>
-          <a:prstGeom prst="rect">
-            <a:avLst/>
-          </a:prstGeom>
-          <a:noFill/>
-        </p:spPr>
-        <p:txBody>
-          <a:bodyPr wrap="square" rtlCol="0">
-            <a:spAutoFit/>
-          </a:bodyPr>
-          <a:lstStyle/>
-          <a:p>
-            <a:r>
-              <a:rPr lang="en-US" dirty="0">
-                <a:solidFill>
-                  <a:srgbClr val="FFFF00"/>
-                </a:solidFill>
-              </a:rPr>
-              <a:t>A regular expression constrains the date format</a:t>
+              <a:rPr lang="en-US" dirty="0"/>
+              <a:t>All self-defined exceptions and their managers </a:t>
             </a:r>
           </a:p>
         </p:txBody>
@@ -7363,191 +8595,13 @@
     </p:spTree>
     <p:extLst>
       <p:ext uri="{BB962C8B-B14F-4D97-AF65-F5344CB8AC3E}">
-        <p14:creationId xmlns:p14="http://schemas.microsoft.com/office/powerpoint/2010/main" val="361314986"/>
+        <p14:creationId xmlns:p14="http://schemas.microsoft.com/office/powerpoint/2010/main" val="1150273076"/>
       </p:ext>
     </p:extLst>
   </p:cSld>
   <p:clrMapOvr>
     <a:masterClrMapping/>
   </p:clrMapOvr>
-  <p:timing>
-    <p:tnLst>
-      <p:par>
-        <p:cTn id="1" dur="indefinite" restart="never" nodeType="tmRoot">
-          <p:childTnLst>
-            <p:seq concurrent="1" nextAc="seek">
-              <p:cTn id="2" dur="indefinite" nodeType="mainSeq">
-                <p:childTnLst>
-                  <p:par>
-                    <p:cTn id="3" fill="hold">
-                      <p:stCondLst>
-                        <p:cond delay="indefinite"/>
-                      </p:stCondLst>
-                      <p:childTnLst>
-                        <p:par>
-                          <p:cTn id="4" fill="hold">
-                            <p:stCondLst>
-                              <p:cond delay="0"/>
-                            </p:stCondLst>
-                            <p:childTnLst>
-                              <p:par>
-                                <p:cTn id="5" presetID="1" presetClass="entr" presetSubtype="0" fill="hold" grpId="0" nodeType="clickEffect">
-                                  <p:stCondLst>
-                                    <p:cond delay="0"/>
-                                  </p:stCondLst>
-                                  <p:childTnLst>
-                                    <p:set>
-                                      <p:cBhvr>
-                                        <p:cTn id="6" dur="1" fill="hold">
-                                          <p:stCondLst>
-                                            <p:cond delay="0"/>
-                                          </p:stCondLst>
-                                        </p:cTn>
-                                        <p:tgtEl>
-                                          <p:spTgt spid="12"/>
-                                        </p:tgtEl>
-                                        <p:attrNameLst>
-                                          <p:attrName>style.visibility</p:attrName>
-                                        </p:attrNameLst>
-                                      </p:cBhvr>
-                                      <p:to>
-                                        <p:strVal val="visible"/>
-                                      </p:to>
-                                    </p:set>
-                                  </p:childTnLst>
-                                </p:cTn>
-                              </p:par>
-                              <p:par>
-                                <p:cTn id="7" presetID="1" presetClass="entr" presetSubtype="0" fill="hold" nodeType="withEffect">
-                                  <p:stCondLst>
-                                    <p:cond delay="0"/>
-                                  </p:stCondLst>
-                                  <p:childTnLst>
-                                    <p:set>
-                                      <p:cBhvr>
-                                        <p:cTn id="8" dur="1" fill="hold">
-                                          <p:stCondLst>
-                                            <p:cond delay="0"/>
-                                          </p:stCondLst>
-                                        </p:cTn>
-                                        <p:tgtEl>
-                                          <p:spTgt spid="11"/>
-                                        </p:tgtEl>
-                                        <p:attrNameLst>
-                                          <p:attrName>style.visibility</p:attrName>
-                                        </p:attrNameLst>
-                                      </p:cBhvr>
-                                      <p:to>
-                                        <p:strVal val="visible"/>
-                                      </p:to>
-                                    </p:set>
-                                  </p:childTnLst>
-                                </p:cTn>
-                              </p:par>
-                            </p:childTnLst>
-                          </p:cTn>
-                        </p:par>
-                      </p:childTnLst>
-                    </p:cTn>
-                  </p:par>
-                  <p:par>
-                    <p:cTn id="9" fill="hold">
-                      <p:stCondLst>
-                        <p:cond delay="indefinite"/>
-                      </p:stCondLst>
-                      <p:childTnLst>
-                        <p:par>
-                          <p:cTn id="10" fill="hold">
-                            <p:stCondLst>
-                              <p:cond delay="0"/>
-                            </p:stCondLst>
-                            <p:childTnLst>
-                              <p:par>
-                                <p:cTn id="11" presetID="1" presetClass="entr" presetSubtype="0" fill="hold" grpId="0" nodeType="clickEffect">
-                                  <p:stCondLst>
-                                    <p:cond delay="0"/>
-                                  </p:stCondLst>
-                                  <p:childTnLst>
-                                    <p:set>
-                                      <p:cBhvr>
-                                        <p:cTn id="12" dur="1" fill="hold">
-                                          <p:stCondLst>
-                                            <p:cond delay="0"/>
-                                          </p:stCondLst>
-                                        </p:cTn>
-                                        <p:tgtEl>
-                                          <p:spTgt spid="15"/>
-                                        </p:tgtEl>
-                                        <p:attrNameLst>
-                                          <p:attrName>style.visibility</p:attrName>
-                                        </p:attrNameLst>
-                                      </p:cBhvr>
-                                      <p:to>
-                                        <p:strVal val="visible"/>
-                                      </p:to>
-                                    </p:set>
-                                  </p:childTnLst>
-                                </p:cTn>
-                              </p:par>
-                              <p:par>
-                                <p:cTn id="13" presetID="1" presetClass="entr" presetSubtype="0" fill="hold" nodeType="withEffect">
-                                  <p:stCondLst>
-                                    <p:cond delay="0"/>
-                                  </p:stCondLst>
-                                  <p:childTnLst>
-                                    <p:set>
-                                      <p:cBhvr>
-                                        <p:cTn id="14" dur="1" fill="hold">
-                                          <p:stCondLst>
-                                            <p:cond delay="0"/>
-                                          </p:stCondLst>
-                                        </p:cTn>
-                                        <p:tgtEl>
-                                          <p:spTgt spid="14"/>
-                                        </p:tgtEl>
-                                        <p:attrNameLst>
-                                          <p:attrName>style.visibility</p:attrName>
-                                        </p:attrNameLst>
-                                      </p:cBhvr>
-                                      <p:to>
-                                        <p:strVal val="visible"/>
-                                      </p:to>
-                                    </p:set>
-                                  </p:childTnLst>
-                                </p:cTn>
-                              </p:par>
-                            </p:childTnLst>
-                          </p:cTn>
-                        </p:par>
-                      </p:childTnLst>
-                    </p:cTn>
-                  </p:par>
-                </p:childTnLst>
-              </p:cTn>
-              <p:prevCondLst>
-                <p:cond evt="onPrev" delay="0">
-                  <p:tgtEl>
-                    <p:sldTgt/>
-                  </p:tgtEl>
-                </p:cond>
-              </p:prevCondLst>
-              <p:nextCondLst>
-                <p:cond evt="onNext" delay="0">
-                  <p:tgtEl>
-                    <p:sldTgt/>
-                  </p:tgtEl>
-                </p:cond>
-              </p:nextCondLst>
-            </p:seq>
-          </p:childTnLst>
-        </p:cTn>
-      </p:par>
-    </p:tnLst>
-    <p:bldLst>
-      <p:bldP spid="12" grpId="0"/>
-      <p:bldP spid="15" grpId="0"/>
-    </p:bldLst>
-  </p:timing>
 </p:sld>
 </file>
 
